--- a/extra/Sitemap.pptx
+++ b/extra/Sitemap.pptx
@@ -104,6 +104,11 @@
       </a:defRPr>
     </a:lvl9pPr>
   </p:defaultTextStyle>
+  <p:extLst>
+    <p:ext uri="{EFAFB233-063F-42B5-8137-9DF3F51BA10A}">
+      <p15:sldGuideLst xmlns:p15="http://schemas.microsoft.com/office/powerpoint/2012/main"/>
+    </p:ext>
+  </p:extLst>
 </p:presentation>
 </file>
 
@@ -3344,10 +3349,10 @@
       </p:grpSpPr>
       <p:sp>
         <p:nvSpPr>
-          <p:cNvPr id="4" name="Rectangle 3">
-            <a:extLst>
-              <a:ext uri="{FF2B5EF4-FFF2-40B4-BE49-F238E27FC236}">
-                <a16:creationId xmlns:a16="http://schemas.microsoft.com/office/drawing/2014/main" id="{173E8AF5-86C9-4EAF-ADCD-24D8185C9E66}"/>
+          <p:cNvPr id="32" name="Rectangle 31">
+            <a:extLst>
+              <a:ext uri="{FF2B5EF4-FFF2-40B4-BE49-F238E27FC236}">
+                <a16:creationId xmlns:a16="http://schemas.microsoft.com/office/drawing/2014/main" id="{F8123D76-B47E-46AB-B1A8-3EC9F426D037}"/>
               </a:ext>
             </a:extLst>
           </p:cNvPr>
@@ -3356,7 +3361,154 @@
         </p:nvSpPr>
         <p:spPr>
           <a:xfrm>
-            <a:off x="4517906" y="372834"/>
+            <a:off x="-1466184" y="3312655"/>
+            <a:ext cx="5706836" cy="2658836"/>
+          </a:xfrm>
+          <a:prstGeom prst="rect">
+            <a:avLst/>
+          </a:prstGeom>
+        </p:spPr>
+        <p:style>
+          <a:lnRef idx="2">
+            <a:schemeClr val="dk1">
+              <a:shade val="50000"/>
+            </a:schemeClr>
+          </a:lnRef>
+          <a:fillRef idx="1">
+            <a:schemeClr val="dk1"/>
+          </a:fillRef>
+          <a:effectRef idx="0">
+            <a:schemeClr val="dk1"/>
+          </a:effectRef>
+          <a:fontRef idx="minor">
+            <a:schemeClr val="lt1"/>
+          </a:fontRef>
+        </p:style>
+        <p:txBody>
+          <a:bodyPr rtlCol="0" anchor="ctr"/>
+          <a:lstStyle/>
+          <a:p>
+            <a:pPr algn="ctr"/>
+            <a:r>
+              <a:rPr lang="en-AU" dirty="0"/>
+              <a:t>Non-member area</a:t>
+            </a:r>
+          </a:p>
+        </p:txBody>
+      </p:sp>
+      <p:sp>
+        <p:nvSpPr>
+          <p:cNvPr id="31" name="Rectangle 30">
+            <a:extLst>
+              <a:ext uri="{FF2B5EF4-FFF2-40B4-BE49-F238E27FC236}">
+                <a16:creationId xmlns:a16="http://schemas.microsoft.com/office/drawing/2014/main" id="{E64F4874-F646-40AD-936D-61F248DB02BA}"/>
+              </a:ext>
+            </a:extLst>
+          </p:cNvPr>
+          <p:cNvSpPr/>
+          <p:nvPr/>
+        </p:nvSpPr>
+        <p:spPr>
+          <a:xfrm>
+            <a:off x="-1403591" y="51025"/>
+            <a:ext cx="5706836" cy="2658836"/>
+          </a:xfrm>
+          <a:prstGeom prst="rect">
+            <a:avLst/>
+          </a:prstGeom>
+        </p:spPr>
+        <p:style>
+          <a:lnRef idx="2">
+            <a:schemeClr val="accent3">
+              <a:shade val="50000"/>
+            </a:schemeClr>
+          </a:lnRef>
+          <a:fillRef idx="1">
+            <a:schemeClr val="accent3"/>
+          </a:fillRef>
+          <a:effectRef idx="0">
+            <a:schemeClr val="accent3"/>
+          </a:effectRef>
+          <a:fontRef idx="minor">
+            <a:schemeClr val="lt1"/>
+          </a:fontRef>
+        </p:style>
+        <p:txBody>
+          <a:bodyPr rtlCol="0" anchor="ctr"/>
+          <a:lstStyle/>
+          <a:p>
+            <a:pPr algn="ctr"/>
+            <a:r>
+              <a:rPr lang="en-AU" dirty="0"/>
+              <a:t>member area</a:t>
+            </a:r>
+          </a:p>
+        </p:txBody>
+      </p:sp>
+      <p:sp>
+        <p:nvSpPr>
+          <p:cNvPr id="20" name="Rectangle 19">
+            <a:extLst>
+              <a:ext uri="{FF2B5EF4-FFF2-40B4-BE49-F238E27FC236}">
+                <a16:creationId xmlns:a16="http://schemas.microsoft.com/office/drawing/2014/main" id="{05E49130-96F1-48C5-BE29-902270A8D427}"/>
+              </a:ext>
+            </a:extLst>
+          </p:cNvPr>
+          <p:cNvSpPr/>
+          <p:nvPr/>
+        </p:nvSpPr>
+        <p:spPr>
+          <a:xfrm>
+            <a:off x="45070" y="-2409143"/>
+            <a:ext cx="11623557" cy="1877785"/>
+          </a:xfrm>
+          <a:prstGeom prst="rect">
+            <a:avLst/>
+          </a:prstGeom>
+        </p:spPr>
+        <p:style>
+          <a:lnRef idx="2">
+            <a:schemeClr val="accent6">
+              <a:shade val="50000"/>
+            </a:schemeClr>
+          </a:lnRef>
+          <a:fillRef idx="1">
+            <a:schemeClr val="accent6"/>
+          </a:fillRef>
+          <a:effectRef idx="0">
+            <a:schemeClr val="accent6"/>
+          </a:effectRef>
+          <a:fontRef idx="minor">
+            <a:schemeClr val="lt1"/>
+          </a:fontRef>
+        </p:style>
+        <p:txBody>
+          <a:bodyPr rtlCol="0" anchor="ctr"/>
+          <a:lstStyle/>
+          <a:p>
+            <a:pPr algn="ctr"/>
+            <a:r>
+              <a:rPr lang="en-AU" dirty="0"/>
+              <a:t>Functions</a:t>
+            </a:r>
+          </a:p>
+        </p:txBody>
+      </p:sp>
+      <p:sp>
+        <p:nvSpPr>
+          <p:cNvPr id="4" name="Rectangle 3">
+            <a:extLst>
+              <a:ext uri="{FF2B5EF4-FFF2-40B4-BE49-F238E27FC236}">
+                <a16:creationId xmlns:a16="http://schemas.microsoft.com/office/drawing/2014/main" id="{173E8AF5-86C9-4EAF-ADCD-24D8185C9E66}"/>
+              </a:ext>
+            </a:extLst>
+          </p:cNvPr>
+          <p:cNvSpPr/>
+          <p:nvPr/>
+        </p:nvSpPr>
+        <p:spPr>
+          <a:xfrm>
+            <a:off x="4517905" y="372834"/>
             <a:ext cx="2677886" cy="1877785"/>
           </a:xfrm>
           <a:prstGeom prst="rect">
@@ -3365,16 +3517,18 @@
         </p:spPr>
         <p:style>
           <a:lnRef idx="2">
-            <a:schemeClr val="dk1"/>
+            <a:schemeClr val="accent1">
+              <a:shade val="50000"/>
+            </a:schemeClr>
           </a:lnRef>
           <a:fillRef idx="1">
-            <a:schemeClr val="lt1"/>
+            <a:schemeClr val="accent1"/>
           </a:fillRef>
           <a:effectRef idx="0">
-            <a:schemeClr val="dk1"/>
+            <a:schemeClr val="accent1"/>
           </a:effectRef>
           <a:fontRef idx="minor">
-            <a:schemeClr val="dk1"/>
+            <a:schemeClr val="lt1"/>
           </a:fontRef>
         </p:style>
         <p:txBody>
@@ -3404,8 +3558,8 @@
         </p:nvSpPr>
         <p:spPr>
           <a:xfrm>
-            <a:off x="4757057" y="3663043"/>
-            <a:ext cx="2677886" cy="1877785"/>
+            <a:off x="7410451" y="385763"/>
+            <a:ext cx="5706836" cy="6086474"/>
           </a:xfrm>
           <a:prstGeom prst="rect">
             <a:avLst/>
@@ -3413,16 +3567,18 @@
         </p:spPr>
         <p:style>
           <a:lnRef idx="2">
-            <a:schemeClr val="dk1"/>
+            <a:schemeClr val="accent4">
+              <a:shade val="50000"/>
+            </a:schemeClr>
           </a:lnRef>
           <a:fillRef idx="1">
-            <a:schemeClr val="lt1"/>
+            <a:schemeClr val="accent4"/>
           </a:fillRef>
           <a:effectRef idx="0">
-            <a:schemeClr val="dk1"/>
+            <a:schemeClr val="accent4"/>
           </a:effectRef>
           <a:fontRef idx="minor">
-            <a:schemeClr val="dk1"/>
+            <a:schemeClr val="lt1"/>
           </a:fontRef>
         </p:style>
         <p:txBody>
@@ -3430,7 +3586,10 @@
           <a:lstStyle/>
           <a:p>
             <a:pPr algn="ctr"/>
-            <a:endParaRPr lang="en-AU" dirty="0"/>
+            <a:r>
+              <a:rPr lang="en-AU" dirty="0"/>
+              <a:t>Admin area</a:t>
+            </a:r>
           </a:p>
         </p:txBody>
       </p:sp>
@@ -3448,7 +3607,7 @@
         </p:nvSpPr>
         <p:spPr>
           <a:xfrm>
-            <a:off x="9263743" y="253090"/>
+            <a:off x="7511143" y="829352"/>
             <a:ext cx="2677886" cy="571502"/>
           </a:xfrm>
           <a:prstGeom prst="rect">
@@ -3480,6 +3639,13 @@
             </a:r>
             <a:endParaRPr lang="en-AU" dirty="0"/>
           </a:p>
+          <a:p>
+            <a:pPr algn="ctr"/>
+            <a:r>
+              <a:rPr lang="en-AU" dirty="0"/>
+              <a:t>Admin, Editor</a:t>
+            </a:r>
+          </a:p>
         </p:txBody>
       </p:sp>
       <p:sp>
@@ -3496,7 +3662,7 @@
         </p:nvSpPr>
         <p:spPr>
           <a:xfrm>
-            <a:off x="174171" y="253090"/>
+            <a:off x="7549243" y="4642073"/>
             <a:ext cx="2677886" cy="571502"/>
           </a:xfrm>
           <a:prstGeom prst="rect">
@@ -3528,6 +3694,13 @@
             </a:r>
             <a:endParaRPr lang="en-AU" dirty="0"/>
           </a:p>
+          <a:p>
+            <a:pPr algn="ctr"/>
+            <a:r>
+              <a:rPr lang="en-AU" dirty="0"/>
+              <a:t>Admin Only</a:t>
+            </a:r>
+          </a:p>
         </p:txBody>
       </p:sp>
       <p:sp>
@@ -3544,7 +3717,7 @@
         </p:nvSpPr>
         <p:spPr>
           <a:xfrm>
-            <a:off x="9301843" y="1191984"/>
+            <a:off x="7549243" y="1768246"/>
             <a:ext cx="2677886" cy="571502"/>
           </a:xfrm>
           <a:prstGeom prst="rect">
@@ -3592,7 +3765,7 @@
         </p:nvSpPr>
         <p:spPr>
           <a:xfrm>
-            <a:off x="174171" y="1025976"/>
+            <a:off x="7549243" y="5414959"/>
             <a:ext cx="2677886" cy="571502"/>
           </a:xfrm>
           <a:prstGeom prst="rect">
@@ -3624,6 +3797,13 @@
             </a:r>
             <a:endParaRPr lang="en-AU" dirty="0"/>
           </a:p>
+          <a:p>
+            <a:pPr algn="ctr"/>
+            <a:r>
+              <a:rPr lang="en-AU" dirty="0"/>
+              <a:t>Admin Only</a:t>
+            </a:r>
+          </a:p>
         </p:txBody>
       </p:sp>
       <p:sp>
@@ -3640,7 +3820,7 @@
         </p:nvSpPr>
         <p:spPr>
           <a:xfrm>
-            <a:off x="9301843" y="2133599"/>
+            <a:off x="7549243" y="2709861"/>
             <a:ext cx="2677886" cy="571502"/>
           </a:xfrm>
           <a:prstGeom prst="rect">
@@ -3672,6 +3852,13 @@
             </a:r>
             <a:endParaRPr lang="en-AU" dirty="0"/>
           </a:p>
+          <a:p>
+            <a:pPr algn="ctr"/>
+            <a:r>
+              <a:rPr lang="en-AU" dirty="0"/>
+              <a:t>Admin, Editor</a:t>
+            </a:r>
+          </a:p>
         </p:txBody>
       </p:sp>
       <p:sp>
@@ -3688,7 +3875,7 @@
         </p:nvSpPr>
         <p:spPr>
           <a:xfrm>
-            <a:off x="9339943" y="3072493"/>
+            <a:off x="7587343" y="3648755"/>
             <a:ext cx="2677886" cy="571502"/>
           </a:xfrm>
           <a:prstGeom prst="rect">
@@ -3736,7 +3923,7 @@
         </p:nvSpPr>
         <p:spPr>
           <a:xfrm>
-            <a:off x="174171" y="1885951"/>
+            <a:off x="-1466184" y="3422192"/>
             <a:ext cx="2677886" cy="571502"/>
           </a:xfrm>
           <a:prstGeom prst="rect">
@@ -3784,7 +3971,7 @@
         </p:nvSpPr>
         <p:spPr>
           <a:xfrm>
-            <a:off x="174171" y="2658837"/>
+            <a:off x="-4232516" y="3428999"/>
             <a:ext cx="2677886" cy="571502"/>
           </a:xfrm>
           <a:prstGeom prst="rect">
@@ -3832,7 +4019,7 @@
         </p:nvSpPr>
         <p:spPr>
           <a:xfrm>
-            <a:off x="2309279" y="-821876"/>
+            <a:off x="568443" y="-1738996"/>
             <a:ext cx="2677886" cy="571502"/>
           </a:xfrm>
           <a:prstGeom prst="rect">
@@ -3880,7 +4067,7 @@
         </p:nvSpPr>
         <p:spPr>
           <a:xfrm>
-            <a:off x="8546291" y="4808764"/>
+            <a:off x="1466848" y="3422192"/>
             <a:ext cx="2677886" cy="571502"/>
           </a:xfrm>
           <a:prstGeom prst="rect">
@@ -3928,7 +4115,7 @@
         </p:nvSpPr>
         <p:spPr>
           <a:xfrm>
-            <a:off x="8546291" y="5461907"/>
+            <a:off x="8241491" y="-1738996"/>
             <a:ext cx="2677886" cy="571502"/>
           </a:xfrm>
           <a:prstGeom prst="rect">
@@ -3962,6 +4149,235 @@
           </a:p>
         </p:txBody>
       </p:sp>
+      <p:sp>
+        <p:nvSpPr>
+          <p:cNvPr id="21" name="Rectangle 20">
+            <a:extLst>
+              <a:ext uri="{FF2B5EF4-FFF2-40B4-BE49-F238E27FC236}">
+                <a16:creationId xmlns:a16="http://schemas.microsoft.com/office/drawing/2014/main" id="{BFE06146-28BD-4CD3-9AE2-5A4B07750525}"/>
+              </a:ext>
+            </a:extLst>
+          </p:cNvPr>
+          <p:cNvSpPr/>
+          <p:nvPr/>
+        </p:nvSpPr>
+        <p:spPr>
+          <a:xfrm>
+            <a:off x="4495798" y="3654877"/>
+            <a:ext cx="2677886" cy="571502"/>
+          </a:xfrm>
+          <a:prstGeom prst="rect">
+            <a:avLst/>
+          </a:prstGeom>
+        </p:spPr>
+        <p:style>
+          <a:lnRef idx="2">
+            <a:schemeClr val="dk1"/>
+          </a:lnRef>
+          <a:fillRef idx="1">
+            <a:schemeClr val="lt1"/>
+          </a:fillRef>
+          <a:effectRef idx="0">
+            <a:schemeClr val="dk1"/>
+          </a:effectRef>
+          <a:fontRef idx="minor">
+            <a:schemeClr val="dk1"/>
+          </a:fontRef>
+        </p:style>
+        <p:txBody>
+          <a:bodyPr rtlCol="0" anchor="ctr"/>
+          <a:lstStyle/>
+          <a:p>
+            <a:pPr algn="ctr"/>
+            <a:r>
+              <a:rPr lang="en-AU" dirty="0" err="1"/>
+              <a:t>usermenu.php</a:t>
+            </a:r>
+            <a:endParaRPr lang="en-AU" dirty="0"/>
+          </a:p>
+        </p:txBody>
+      </p:sp>
+      <p:sp>
+        <p:nvSpPr>
+          <p:cNvPr id="22" name="Rectangle 21">
+            <a:extLst>
+              <a:ext uri="{FF2B5EF4-FFF2-40B4-BE49-F238E27FC236}">
+                <a16:creationId xmlns:a16="http://schemas.microsoft.com/office/drawing/2014/main" id="{1E8CA1CC-A409-4232-8597-24DCF35B3048}"/>
+              </a:ext>
+            </a:extLst>
+          </p:cNvPr>
+          <p:cNvSpPr/>
+          <p:nvPr/>
+        </p:nvSpPr>
+        <p:spPr>
+          <a:xfrm>
+            <a:off x="1354575" y="287109"/>
+            <a:ext cx="2677886" cy="571502"/>
+          </a:xfrm>
+          <a:prstGeom prst="rect">
+            <a:avLst/>
+          </a:prstGeom>
+        </p:spPr>
+        <p:style>
+          <a:lnRef idx="2">
+            <a:schemeClr val="dk1"/>
+          </a:lnRef>
+          <a:fillRef idx="1">
+            <a:schemeClr val="lt1"/>
+          </a:fillRef>
+          <a:effectRef idx="0">
+            <a:schemeClr val="dk1"/>
+          </a:effectRef>
+          <a:fontRef idx="minor">
+            <a:schemeClr val="dk1"/>
+          </a:fontRef>
+        </p:style>
+        <p:txBody>
+          <a:bodyPr rtlCol="0" anchor="ctr"/>
+          <a:lstStyle/>
+          <a:p>
+            <a:pPr algn="ctr"/>
+            <a:r>
+              <a:rPr lang="en-AU" dirty="0" err="1"/>
+              <a:t>searchMovies.php</a:t>
+            </a:r>
+            <a:endParaRPr lang="en-AU" dirty="0"/>
+          </a:p>
+        </p:txBody>
+      </p:sp>
+      <p:sp>
+        <p:nvSpPr>
+          <p:cNvPr id="23" name="Rectangle 22">
+            <a:extLst>
+              <a:ext uri="{FF2B5EF4-FFF2-40B4-BE49-F238E27FC236}">
+                <a16:creationId xmlns:a16="http://schemas.microsoft.com/office/drawing/2014/main" id="{BF54CDFB-EE30-4569-A3AF-05E3AD490EFE}"/>
+              </a:ext>
+            </a:extLst>
+          </p:cNvPr>
+          <p:cNvSpPr/>
+          <p:nvPr/>
+        </p:nvSpPr>
+        <p:spPr>
+          <a:xfrm>
+            <a:off x="10276784" y="1768246"/>
+            <a:ext cx="2677886" cy="571502"/>
+          </a:xfrm>
+          <a:prstGeom prst="rect">
+            <a:avLst/>
+          </a:prstGeom>
+        </p:spPr>
+        <p:style>
+          <a:lnRef idx="2">
+            <a:schemeClr val="dk1"/>
+          </a:lnRef>
+          <a:fillRef idx="1">
+            <a:schemeClr val="lt1"/>
+          </a:fillRef>
+          <a:effectRef idx="0">
+            <a:schemeClr val="dk1"/>
+          </a:effectRef>
+          <a:fontRef idx="minor">
+            <a:schemeClr val="dk1"/>
+          </a:fontRef>
+        </p:style>
+        <p:txBody>
+          <a:bodyPr rtlCol="0" anchor="ctr"/>
+          <a:lstStyle/>
+          <a:p>
+            <a:pPr algn="ctr"/>
+            <a:r>
+              <a:rPr lang="en-AU" dirty="0"/>
+              <a:t>Delete movie</a:t>
+            </a:r>
+          </a:p>
+          <a:p>
+            <a:pPr algn="ctr"/>
+            <a:r>
+              <a:rPr lang="en-AU" dirty="0"/>
+              <a:t>Admin Only</a:t>
+            </a:r>
+          </a:p>
+        </p:txBody>
+      </p:sp>
+      <p:cxnSp>
+        <p:nvCxnSpPr>
+          <p:cNvPr id="3" name="Connector: Elbow 2">
+            <a:extLst>
+              <a:ext uri="{FF2B5EF4-FFF2-40B4-BE49-F238E27FC236}">
+                <a16:creationId xmlns:a16="http://schemas.microsoft.com/office/drawing/2014/main" id="{124A5A43-C8CD-4FCE-90C1-D9D443D66E26}"/>
+              </a:ext>
+            </a:extLst>
+          </p:cNvPr>
+          <p:cNvCxnSpPr>
+            <a:cxnSpLocks/>
+            <a:stCxn id="4" idx="0"/>
+            <a:endCxn id="20" idx="2"/>
+          </p:cNvCxnSpPr>
+          <p:nvPr/>
+        </p:nvCxnSpPr>
+        <p:spPr>
+          <a:xfrm rot="5400000" flipH="1" flipV="1">
+            <a:off x="5404752" y="-79262"/>
+            <a:ext cx="904192" cy="1"/>
+          </a:xfrm>
+          <a:prstGeom prst="bentConnector3">
+            <a:avLst/>
+          </a:prstGeom>
+        </p:spPr>
+        <p:style>
+          <a:lnRef idx="1">
+            <a:schemeClr val="accent1"/>
+          </a:lnRef>
+          <a:fillRef idx="0">
+            <a:schemeClr val="accent1"/>
+          </a:fillRef>
+          <a:effectRef idx="0">
+            <a:schemeClr val="accent1"/>
+          </a:effectRef>
+          <a:fontRef idx="minor">
+            <a:schemeClr val="tx1"/>
+          </a:fontRef>
+        </p:style>
+      </p:cxnSp>
+      <p:cxnSp>
+        <p:nvCxnSpPr>
+          <p:cNvPr id="27" name="Connector: Elbow 26">
+            <a:extLst>
+              <a:ext uri="{FF2B5EF4-FFF2-40B4-BE49-F238E27FC236}">
+                <a16:creationId xmlns:a16="http://schemas.microsoft.com/office/drawing/2014/main" id="{BCC34908-3021-4DE1-A75E-1BC79ED5556E}"/>
+              </a:ext>
+            </a:extLst>
+          </p:cNvPr>
+          <p:cNvCxnSpPr>
+            <a:stCxn id="4" idx="2"/>
+            <a:endCxn id="5" idx="1"/>
+          </p:cNvCxnSpPr>
+          <p:nvPr/>
+        </p:nvCxnSpPr>
+        <p:spPr>
+          <a:xfrm rot="16200000" flipH="1">
+            <a:off x="6044459" y="2063007"/>
+            <a:ext cx="1178381" cy="1553603"/>
+          </a:xfrm>
+          <a:prstGeom prst="bentConnector2">
+            <a:avLst/>
+          </a:prstGeom>
+        </p:spPr>
+        <p:style>
+          <a:lnRef idx="1">
+            <a:schemeClr val="accent1"/>
+          </a:lnRef>
+          <a:fillRef idx="0">
+            <a:schemeClr val="accent1"/>
+          </a:fillRef>
+          <a:effectRef idx="0">
+            <a:schemeClr val="accent1"/>
+          </a:effectRef>
+          <a:fontRef idx="minor">
+            <a:schemeClr val="tx1"/>
+          </a:fontRef>
+        </p:style>
+      </p:cxnSp>
     </p:spTree>
     <p:extLst>
       <p:ext uri="{BB962C8B-B14F-4D97-AF65-F5344CB8AC3E}">

--- a/extra/Sitemap.pptx
+++ b/extra/Sitemap.pptx
@@ -261,7 +261,7 @@
           <a:p>
             <a:fld id="{2326C657-C1E0-4964-BB1E-A691970DFC48}" type="datetimeFigureOut">
               <a:rPr lang="en-AU" smtClean="0"/>
-              <a:t>6/09/2018</a:t>
+              <a:t>7/09/2018</a:t>
             </a:fld>
             <a:endParaRPr lang="en-AU"/>
           </a:p>
@@ -461,7 +461,7 @@
           <a:p>
             <a:fld id="{2326C657-C1E0-4964-BB1E-A691970DFC48}" type="datetimeFigureOut">
               <a:rPr lang="en-AU" smtClean="0"/>
-              <a:t>6/09/2018</a:t>
+              <a:t>7/09/2018</a:t>
             </a:fld>
             <a:endParaRPr lang="en-AU"/>
           </a:p>
@@ -671,7 +671,7 @@
           <a:p>
             <a:fld id="{2326C657-C1E0-4964-BB1E-A691970DFC48}" type="datetimeFigureOut">
               <a:rPr lang="en-AU" smtClean="0"/>
-              <a:t>6/09/2018</a:t>
+              <a:t>7/09/2018</a:t>
             </a:fld>
             <a:endParaRPr lang="en-AU"/>
           </a:p>
@@ -871,7 +871,7 @@
           <a:p>
             <a:fld id="{2326C657-C1E0-4964-BB1E-A691970DFC48}" type="datetimeFigureOut">
               <a:rPr lang="en-AU" smtClean="0"/>
-              <a:t>6/09/2018</a:t>
+              <a:t>7/09/2018</a:t>
             </a:fld>
             <a:endParaRPr lang="en-AU"/>
           </a:p>
@@ -1147,7 +1147,7 @@
           <a:p>
             <a:fld id="{2326C657-C1E0-4964-BB1E-A691970DFC48}" type="datetimeFigureOut">
               <a:rPr lang="en-AU" smtClean="0"/>
-              <a:t>6/09/2018</a:t>
+              <a:t>7/09/2018</a:t>
             </a:fld>
             <a:endParaRPr lang="en-AU"/>
           </a:p>
@@ -1415,7 +1415,7 @@
           <a:p>
             <a:fld id="{2326C657-C1E0-4964-BB1E-A691970DFC48}" type="datetimeFigureOut">
               <a:rPr lang="en-AU" smtClean="0"/>
-              <a:t>6/09/2018</a:t>
+              <a:t>7/09/2018</a:t>
             </a:fld>
             <a:endParaRPr lang="en-AU"/>
           </a:p>
@@ -1830,7 +1830,7 @@
           <a:p>
             <a:fld id="{2326C657-C1E0-4964-BB1E-A691970DFC48}" type="datetimeFigureOut">
               <a:rPr lang="en-AU" smtClean="0"/>
-              <a:t>6/09/2018</a:t>
+              <a:t>7/09/2018</a:t>
             </a:fld>
             <a:endParaRPr lang="en-AU"/>
           </a:p>
@@ -1972,7 +1972,7 @@
           <a:p>
             <a:fld id="{2326C657-C1E0-4964-BB1E-A691970DFC48}" type="datetimeFigureOut">
               <a:rPr lang="en-AU" smtClean="0"/>
-              <a:t>6/09/2018</a:t>
+              <a:t>7/09/2018</a:t>
             </a:fld>
             <a:endParaRPr lang="en-AU"/>
           </a:p>
@@ -2085,7 +2085,7 @@
           <a:p>
             <a:fld id="{2326C657-C1E0-4964-BB1E-A691970DFC48}" type="datetimeFigureOut">
               <a:rPr lang="en-AU" smtClean="0"/>
-              <a:t>6/09/2018</a:t>
+              <a:t>7/09/2018</a:t>
             </a:fld>
             <a:endParaRPr lang="en-AU"/>
           </a:p>
@@ -2398,7 +2398,7 @@
           <a:p>
             <a:fld id="{2326C657-C1E0-4964-BB1E-A691970DFC48}" type="datetimeFigureOut">
               <a:rPr lang="en-AU" smtClean="0"/>
-              <a:t>6/09/2018</a:t>
+              <a:t>7/09/2018</a:t>
             </a:fld>
             <a:endParaRPr lang="en-AU"/>
           </a:p>
@@ -2687,7 +2687,7 @@
           <a:p>
             <a:fld id="{2326C657-C1E0-4964-BB1E-A691970DFC48}" type="datetimeFigureOut">
               <a:rPr lang="en-AU" smtClean="0"/>
-              <a:t>6/09/2018</a:t>
+              <a:t>7/09/2018</a:t>
             </a:fld>
             <a:endParaRPr lang="en-AU"/>
           </a:p>
@@ -2930,7 +2930,7 @@
           <a:p>
             <a:fld id="{2326C657-C1E0-4964-BB1E-A691970DFC48}" type="datetimeFigureOut">
               <a:rPr lang="en-AU" smtClean="0"/>
-              <a:t>6/09/2018</a:t>
+              <a:t>7/09/2018</a:t>
             </a:fld>
             <a:endParaRPr lang="en-AU"/>
           </a:p>
@@ -3349,10 +3349,10 @@
       </p:grpSpPr>
       <p:sp>
         <p:nvSpPr>
-          <p:cNvPr id="32" name="Rectangle 31">
-            <a:extLst>
-              <a:ext uri="{FF2B5EF4-FFF2-40B4-BE49-F238E27FC236}">
-                <a16:creationId xmlns:a16="http://schemas.microsoft.com/office/drawing/2014/main" id="{F8123D76-B47E-46AB-B1A8-3EC9F426D037}"/>
+          <p:cNvPr id="29" name="Rectangle 28">
+            <a:extLst>
+              <a:ext uri="{FF2B5EF4-FFF2-40B4-BE49-F238E27FC236}">
+                <a16:creationId xmlns:a16="http://schemas.microsoft.com/office/drawing/2014/main" id="{8B96EFFF-1DD0-4016-9A07-1C195C2166DD}"/>
               </a:ext>
             </a:extLst>
           </p:cNvPr>
@@ -3361,8 +3361,155 @@
         </p:nvSpPr>
         <p:spPr>
           <a:xfrm>
+            <a:off x="-1607528" y="11307868"/>
+            <a:ext cx="13009482" cy="6086474"/>
+          </a:xfrm>
+          <a:prstGeom prst="rect">
+            <a:avLst/>
+          </a:prstGeom>
+        </p:spPr>
+        <p:style>
+          <a:lnRef idx="2">
+            <a:schemeClr val="accent4">
+              <a:shade val="50000"/>
+            </a:schemeClr>
+          </a:lnRef>
+          <a:fillRef idx="1">
+            <a:schemeClr val="accent4"/>
+          </a:fillRef>
+          <a:effectRef idx="0">
+            <a:schemeClr val="accent4"/>
+          </a:effectRef>
+          <a:fontRef idx="minor">
+            <a:schemeClr val="lt1"/>
+          </a:fontRef>
+        </p:style>
+        <p:txBody>
+          <a:bodyPr rtlCol="0" anchor="ctr"/>
+          <a:lstStyle/>
+          <a:p>
+            <a:pPr algn="ctr"/>
+            <a:r>
+              <a:rPr lang="en-AU" dirty="0"/>
+              <a:t>Need to be added</a:t>
+            </a:r>
+          </a:p>
+        </p:txBody>
+      </p:sp>
+      <p:sp>
+        <p:nvSpPr>
+          <p:cNvPr id="25" name="Rectangle 24">
+            <a:extLst>
+              <a:ext uri="{FF2B5EF4-FFF2-40B4-BE49-F238E27FC236}">
+                <a16:creationId xmlns:a16="http://schemas.microsoft.com/office/drawing/2014/main" id="{66A3DD35-1F03-4158-B368-268377F3C856}"/>
+              </a:ext>
+            </a:extLst>
+          </p:cNvPr>
+          <p:cNvSpPr/>
+          <p:nvPr/>
+        </p:nvSpPr>
+        <p:spPr>
+          <a:xfrm>
+            <a:off x="-1545378" y="7887226"/>
+            <a:ext cx="5910773" cy="3101073"/>
+          </a:xfrm>
+          <a:prstGeom prst="rect">
+            <a:avLst/>
+          </a:prstGeom>
+        </p:spPr>
+        <p:style>
+          <a:lnRef idx="2">
+            <a:schemeClr val="accent6">
+              <a:shade val="50000"/>
+            </a:schemeClr>
+          </a:lnRef>
+          <a:fillRef idx="1">
+            <a:schemeClr val="accent6"/>
+          </a:fillRef>
+          <a:effectRef idx="0">
+            <a:schemeClr val="accent6"/>
+          </a:effectRef>
+          <a:fontRef idx="minor">
+            <a:schemeClr val="lt1"/>
+          </a:fontRef>
+        </p:style>
+        <p:txBody>
+          <a:bodyPr rtlCol="0" anchor="ctr"/>
+          <a:lstStyle/>
+          <a:p>
+            <a:pPr algn="ctr"/>
+            <a:r>
+              <a:rPr lang="en-AU" dirty="0"/>
+              <a:t>Functions</a:t>
+            </a:r>
+          </a:p>
+        </p:txBody>
+      </p:sp>
+      <p:sp>
+        <p:nvSpPr>
+          <p:cNvPr id="24" name="Rectangle 23">
+            <a:extLst>
+              <a:ext uri="{FF2B5EF4-FFF2-40B4-BE49-F238E27FC236}">
+                <a16:creationId xmlns:a16="http://schemas.microsoft.com/office/drawing/2014/main" id="{E72A40E1-0A67-4661-B694-5E5E83561B00}"/>
+              </a:ext>
+            </a:extLst>
+          </p:cNvPr>
+          <p:cNvSpPr/>
+          <p:nvPr/>
+        </p:nvSpPr>
+        <p:spPr>
+          <a:xfrm>
+            <a:off x="7195791" y="6808220"/>
+            <a:ext cx="4214434" cy="3549653"/>
+          </a:xfrm>
+          <a:prstGeom prst="rect">
+            <a:avLst/>
+          </a:prstGeom>
+        </p:spPr>
+        <p:style>
+          <a:lnRef idx="2">
+            <a:schemeClr val="accent6">
+              <a:shade val="50000"/>
+            </a:schemeClr>
+          </a:lnRef>
+          <a:fillRef idx="1">
+            <a:schemeClr val="accent6"/>
+          </a:fillRef>
+          <a:effectRef idx="0">
+            <a:schemeClr val="accent6"/>
+          </a:effectRef>
+          <a:fontRef idx="minor">
+            <a:schemeClr val="lt1"/>
+          </a:fontRef>
+        </p:style>
+        <p:txBody>
+          <a:bodyPr rtlCol="0" anchor="ctr"/>
+          <a:lstStyle/>
+          <a:p>
+            <a:pPr algn="ctr"/>
+            <a:r>
+              <a:rPr lang="en-AU" dirty="0"/>
+              <a:t>Functions</a:t>
+            </a:r>
+          </a:p>
+        </p:txBody>
+      </p:sp>
+      <p:sp>
+        <p:nvSpPr>
+          <p:cNvPr id="32" name="Rectangle 31">
+            <a:extLst>
+              <a:ext uri="{FF2B5EF4-FFF2-40B4-BE49-F238E27FC236}">
+                <a16:creationId xmlns:a16="http://schemas.microsoft.com/office/drawing/2014/main" id="{F8123D76-B47E-46AB-B1A8-3EC9F426D037}"/>
+              </a:ext>
+            </a:extLst>
+          </p:cNvPr>
+          <p:cNvSpPr/>
+          <p:nvPr/>
+        </p:nvSpPr>
+        <p:spPr>
+          <a:xfrm>
             <a:off x="-1466184" y="3312655"/>
-            <a:ext cx="5706836" cy="2658836"/>
+            <a:ext cx="5706836" cy="4567314"/>
           </a:xfrm>
           <a:prstGeom prst="rect">
             <a:avLst/>
@@ -3391,7 +3538,7 @@
             <a:pPr algn="ctr"/>
             <a:r>
               <a:rPr lang="en-AU" dirty="0"/>
-              <a:t>Non-member area</a:t>
+              <a:t>Public area</a:t>
             </a:r>
           </a:p>
         </p:txBody>
@@ -3416,6 +3563,12 @@
           <a:prstGeom prst="rect">
             <a:avLst/>
           </a:prstGeom>
+          <a:solidFill>
+            <a:schemeClr val="accent1">
+              <a:lumMod val="40000"/>
+              <a:lumOff val="60000"/>
+            </a:schemeClr>
+          </a:solidFill>
         </p:spPr>
         <p:style>
           <a:lnRef idx="2">
@@ -3559,7 +3712,7 @@
         <p:spPr>
           <a:xfrm>
             <a:off x="7410451" y="385763"/>
-            <a:ext cx="5706836" cy="6086474"/>
+            <a:ext cx="3426974" cy="6086474"/>
           </a:xfrm>
           <a:prstGeom prst="rect">
             <a:avLst/>
@@ -3717,7 +3870,7 @@
         </p:nvSpPr>
         <p:spPr>
           <a:xfrm>
-            <a:off x="7549243" y="1768246"/>
+            <a:off x="1410009" y="4905141"/>
             <a:ext cx="2677886" cy="571502"/>
           </a:xfrm>
           <a:prstGeom prst="rect">
@@ -3875,7 +4028,7 @@
         </p:nvSpPr>
         <p:spPr>
           <a:xfrm>
-            <a:off x="7587343" y="3648755"/>
+            <a:off x="8159539" y="7622036"/>
             <a:ext cx="2677886" cy="571502"/>
           </a:xfrm>
           <a:prstGeom prst="rect">
@@ -3971,7 +4124,7 @@
         </p:nvSpPr>
         <p:spPr>
           <a:xfrm>
-            <a:off x="-4232516" y="3428999"/>
+            <a:off x="-1167629" y="8189074"/>
             <a:ext cx="2677886" cy="571502"/>
           </a:xfrm>
           <a:prstGeom prst="rect">
@@ -4211,7 +4364,7 @@
         </p:nvSpPr>
         <p:spPr>
           <a:xfrm>
-            <a:off x="1354575" y="287109"/>
+            <a:off x="-1420634" y="4854344"/>
             <a:ext cx="2677886" cy="571502"/>
           </a:xfrm>
           <a:prstGeom prst="rect">
@@ -4259,7 +4412,7 @@
         </p:nvSpPr>
         <p:spPr>
           <a:xfrm>
-            <a:off x="10276784" y="1768246"/>
+            <a:off x="7584720" y="1679115"/>
             <a:ext cx="2677886" cy="571502"/>
           </a:xfrm>
           <a:prstGeom prst="rect">
@@ -4349,6 +4502,7 @@
             </a:extLst>
           </p:cNvPr>
           <p:cNvCxnSpPr>
+            <a:cxnSpLocks/>
             <a:stCxn id="4" idx="2"/>
             <a:endCxn id="5" idx="1"/>
           </p:cNvCxnSpPr>
@@ -4378,6 +4532,223 @@
           </a:fontRef>
         </p:style>
       </p:cxnSp>
+      <p:sp>
+        <p:nvSpPr>
+          <p:cNvPr id="28" name="Rectangle 27">
+            <a:extLst>
+              <a:ext uri="{FF2B5EF4-FFF2-40B4-BE49-F238E27FC236}">
+                <a16:creationId xmlns:a16="http://schemas.microsoft.com/office/drawing/2014/main" id="{2B480270-A1CF-4A23-AFA5-83127CA1BA7D}"/>
+              </a:ext>
+            </a:extLst>
+          </p:cNvPr>
+          <p:cNvSpPr/>
+          <p:nvPr/>
+        </p:nvSpPr>
+        <p:spPr>
+          <a:xfrm>
+            <a:off x="-1535248" y="6140887"/>
+            <a:ext cx="2985075" cy="571502"/>
+          </a:xfrm>
+          <a:prstGeom prst="rect">
+            <a:avLst/>
+          </a:prstGeom>
+        </p:spPr>
+        <p:style>
+          <a:lnRef idx="0">
+            <a:schemeClr val="accent3"/>
+          </a:lnRef>
+          <a:fillRef idx="3">
+            <a:schemeClr val="accent3"/>
+          </a:fillRef>
+          <a:effectRef idx="3">
+            <a:schemeClr val="accent3"/>
+          </a:effectRef>
+          <a:fontRef idx="minor">
+            <a:schemeClr val="lt1"/>
+          </a:fontRef>
+        </p:style>
+        <p:txBody>
+          <a:bodyPr rtlCol="0" anchor="ctr"/>
+          <a:lstStyle/>
+          <a:p>
+            <a:pPr algn="ctr"/>
+            <a:r>
+              <a:rPr lang="en-AU" dirty="0"/>
+              <a:t>Movie details Page</a:t>
+            </a:r>
+          </a:p>
+          <a:p>
+            <a:pPr algn="ctr"/>
+            <a:r>
+              <a:rPr lang="en-AU" dirty="0"/>
+              <a:t>Need to be added</a:t>
+            </a:r>
+          </a:p>
+        </p:txBody>
+      </p:sp>
+      <p:sp>
+        <p:nvSpPr>
+          <p:cNvPr id="30" name="Rectangle 29">
+            <a:extLst>
+              <a:ext uri="{FF2B5EF4-FFF2-40B4-BE49-F238E27FC236}">
+                <a16:creationId xmlns:a16="http://schemas.microsoft.com/office/drawing/2014/main" id="{33B76563-5CA0-44B3-8AAB-1EA08B018352}"/>
+              </a:ext>
+            </a:extLst>
+          </p:cNvPr>
+          <p:cNvSpPr/>
+          <p:nvPr/>
+        </p:nvSpPr>
+        <p:spPr>
+          <a:xfrm>
+            <a:off x="-1607528" y="7029432"/>
+            <a:ext cx="2864780" cy="571502"/>
+          </a:xfrm>
+          <a:prstGeom prst="rect">
+            <a:avLst/>
+          </a:prstGeom>
+        </p:spPr>
+        <p:style>
+          <a:lnRef idx="0">
+            <a:schemeClr val="accent3"/>
+          </a:lnRef>
+          <a:fillRef idx="3">
+            <a:schemeClr val="accent3"/>
+          </a:fillRef>
+          <a:effectRef idx="3">
+            <a:schemeClr val="accent3"/>
+          </a:effectRef>
+          <a:fontRef idx="minor">
+            <a:schemeClr val="lt1"/>
+          </a:fontRef>
+        </p:style>
+        <p:txBody>
+          <a:bodyPr rtlCol="0" anchor="ctr"/>
+          <a:lstStyle/>
+          <a:p>
+            <a:pPr algn="ctr"/>
+            <a:r>
+              <a:rPr lang="en-AU" dirty="0"/>
+              <a:t>Comment/rating page</a:t>
+            </a:r>
+          </a:p>
+          <a:p>
+            <a:pPr algn="ctr"/>
+            <a:r>
+              <a:rPr lang="en-AU" dirty="0"/>
+              <a:t>Need to be added</a:t>
+            </a:r>
+          </a:p>
+        </p:txBody>
+      </p:sp>
+      <p:sp>
+        <p:nvSpPr>
+          <p:cNvPr id="33" name="Rectangle 32">
+            <a:extLst>
+              <a:ext uri="{FF2B5EF4-FFF2-40B4-BE49-F238E27FC236}">
+                <a16:creationId xmlns:a16="http://schemas.microsoft.com/office/drawing/2014/main" id="{C5C3AAE4-C319-4DEA-BA95-9132110B8C16}"/>
+              </a:ext>
+            </a:extLst>
+          </p:cNvPr>
+          <p:cNvSpPr/>
+          <p:nvPr/>
+        </p:nvSpPr>
+        <p:spPr>
+          <a:xfrm>
+            <a:off x="-1286424" y="1804070"/>
+            <a:ext cx="4035376" cy="571502"/>
+          </a:xfrm>
+          <a:prstGeom prst="rect">
+            <a:avLst/>
+          </a:prstGeom>
+        </p:spPr>
+        <p:style>
+          <a:lnRef idx="0">
+            <a:schemeClr val="accent3"/>
+          </a:lnRef>
+          <a:fillRef idx="3">
+            <a:schemeClr val="accent3"/>
+          </a:fillRef>
+          <a:effectRef idx="3">
+            <a:schemeClr val="accent3"/>
+          </a:effectRef>
+          <a:fontRef idx="minor">
+            <a:schemeClr val="lt1"/>
+          </a:fontRef>
+        </p:style>
+        <p:txBody>
+          <a:bodyPr rtlCol="0" anchor="ctr"/>
+          <a:lstStyle/>
+          <a:p>
+            <a:pPr algn="ctr"/>
+            <a:r>
+              <a:rPr lang="en-AU" dirty="0" err="1"/>
+              <a:t>Userprofile</a:t>
+            </a:r>
+            <a:endParaRPr lang="en-AU" dirty="0"/>
+          </a:p>
+          <a:p>
+            <a:pPr algn="ctr"/>
+            <a:r>
+              <a:rPr lang="en-AU" dirty="0"/>
+              <a:t>Need to be added</a:t>
+            </a:r>
+          </a:p>
+        </p:txBody>
+      </p:sp>
+      <p:sp>
+        <p:nvSpPr>
+          <p:cNvPr id="34" name="Rectangle 33">
+            <a:extLst>
+              <a:ext uri="{FF2B5EF4-FFF2-40B4-BE49-F238E27FC236}">
+                <a16:creationId xmlns:a16="http://schemas.microsoft.com/office/drawing/2014/main" id="{1A3AC25B-6EB6-4B26-8943-3698BE2CEFEB}"/>
+              </a:ext>
+            </a:extLst>
+          </p:cNvPr>
+          <p:cNvSpPr/>
+          <p:nvPr/>
+        </p:nvSpPr>
+        <p:spPr>
+          <a:xfrm>
+            <a:off x="-1229585" y="296752"/>
+            <a:ext cx="4035376" cy="571502"/>
+          </a:xfrm>
+          <a:prstGeom prst="rect">
+            <a:avLst/>
+          </a:prstGeom>
+        </p:spPr>
+        <p:style>
+          <a:lnRef idx="0">
+            <a:schemeClr val="accent3"/>
+          </a:lnRef>
+          <a:fillRef idx="3">
+            <a:schemeClr val="accent3"/>
+          </a:fillRef>
+          <a:effectRef idx="3">
+            <a:schemeClr val="accent3"/>
+          </a:effectRef>
+          <a:fontRef idx="minor">
+            <a:schemeClr val="lt1"/>
+          </a:fontRef>
+        </p:style>
+        <p:txBody>
+          <a:bodyPr rtlCol="0" anchor="ctr"/>
+          <a:lstStyle/>
+          <a:p>
+            <a:pPr algn="ctr"/>
+            <a:r>
+              <a:rPr lang="en-AU" dirty="0"/>
+              <a:t>Comment/rating leaving page/function</a:t>
+            </a:r>
+          </a:p>
+          <a:p>
+            <a:pPr algn="ctr"/>
+            <a:r>
+              <a:rPr lang="en-AU" dirty="0"/>
+              <a:t>Need to be added</a:t>
+            </a:r>
+          </a:p>
+        </p:txBody>
+      </p:sp>
     </p:spTree>
     <p:extLst>
       <p:ext uri="{BB962C8B-B14F-4D97-AF65-F5344CB8AC3E}">

--- a/extra/Sitemap.pptx
+++ b/extra/Sitemap.pptx
@@ -261,7 +261,7 @@
           <a:p>
             <a:fld id="{2326C657-C1E0-4964-BB1E-A691970DFC48}" type="datetimeFigureOut">
               <a:rPr lang="en-AU" smtClean="0"/>
-              <a:t>7/09/2018</a:t>
+              <a:t>10/09/2018</a:t>
             </a:fld>
             <a:endParaRPr lang="en-AU"/>
           </a:p>
@@ -461,7 +461,7 @@
           <a:p>
             <a:fld id="{2326C657-C1E0-4964-BB1E-A691970DFC48}" type="datetimeFigureOut">
               <a:rPr lang="en-AU" smtClean="0"/>
-              <a:t>7/09/2018</a:t>
+              <a:t>10/09/2018</a:t>
             </a:fld>
             <a:endParaRPr lang="en-AU"/>
           </a:p>
@@ -671,7 +671,7 @@
           <a:p>
             <a:fld id="{2326C657-C1E0-4964-BB1E-A691970DFC48}" type="datetimeFigureOut">
               <a:rPr lang="en-AU" smtClean="0"/>
-              <a:t>7/09/2018</a:t>
+              <a:t>10/09/2018</a:t>
             </a:fld>
             <a:endParaRPr lang="en-AU"/>
           </a:p>
@@ -871,7 +871,7 @@
           <a:p>
             <a:fld id="{2326C657-C1E0-4964-BB1E-A691970DFC48}" type="datetimeFigureOut">
               <a:rPr lang="en-AU" smtClean="0"/>
-              <a:t>7/09/2018</a:t>
+              <a:t>10/09/2018</a:t>
             </a:fld>
             <a:endParaRPr lang="en-AU"/>
           </a:p>
@@ -1147,7 +1147,7 @@
           <a:p>
             <a:fld id="{2326C657-C1E0-4964-BB1E-A691970DFC48}" type="datetimeFigureOut">
               <a:rPr lang="en-AU" smtClean="0"/>
-              <a:t>7/09/2018</a:t>
+              <a:t>10/09/2018</a:t>
             </a:fld>
             <a:endParaRPr lang="en-AU"/>
           </a:p>
@@ -1415,7 +1415,7 @@
           <a:p>
             <a:fld id="{2326C657-C1E0-4964-BB1E-A691970DFC48}" type="datetimeFigureOut">
               <a:rPr lang="en-AU" smtClean="0"/>
-              <a:t>7/09/2018</a:t>
+              <a:t>10/09/2018</a:t>
             </a:fld>
             <a:endParaRPr lang="en-AU"/>
           </a:p>
@@ -1830,7 +1830,7 @@
           <a:p>
             <a:fld id="{2326C657-C1E0-4964-BB1E-A691970DFC48}" type="datetimeFigureOut">
               <a:rPr lang="en-AU" smtClean="0"/>
-              <a:t>7/09/2018</a:t>
+              <a:t>10/09/2018</a:t>
             </a:fld>
             <a:endParaRPr lang="en-AU"/>
           </a:p>
@@ -1972,7 +1972,7 @@
           <a:p>
             <a:fld id="{2326C657-C1E0-4964-BB1E-A691970DFC48}" type="datetimeFigureOut">
               <a:rPr lang="en-AU" smtClean="0"/>
-              <a:t>7/09/2018</a:t>
+              <a:t>10/09/2018</a:t>
             </a:fld>
             <a:endParaRPr lang="en-AU"/>
           </a:p>
@@ -2085,7 +2085,7 @@
           <a:p>
             <a:fld id="{2326C657-C1E0-4964-BB1E-A691970DFC48}" type="datetimeFigureOut">
               <a:rPr lang="en-AU" smtClean="0"/>
-              <a:t>7/09/2018</a:t>
+              <a:t>10/09/2018</a:t>
             </a:fld>
             <a:endParaRPr lang="en-AU"/>
           </a:p>
@@ -2398,7 +2398,7 @@
           <a:p>
             <a:fld id="{2326C657-C1E0-4964-BB1E-A691970DFC48}" type="datetimeFigureOut">
               <a:rPr lang="en-AU" smtClean="0"/>
-              <a:t>7/09/2018</a:t>
+              <a:t>10/09/2018</a:t>
             </a:fld>
             <a:endParaRPr lang="en-AU"/>
           </a:p>
@@ -2687,7 +2687,7 @@
           <a:p>
             <a:fld id="{2326C657-C1E0-4964-BB1E-A691970DFC48}" type="datetimeFigureOut">
               <a:rPr lang="en-AU" smtClean="0"/>
-              <a:t>7/09/2018</a:t>
+              <a:t>10/09/2018</a:t>
             </a:fld>
             <a:endParaRPr lang="en-AU"/>
           </a:p>
@@ -2930,7 +2930,7 @@
           <a:p>
             <a:fld id="{2326C657-C1E0-4964-BB1E-A691970DFC48}" type="datetimeFigureOut">
               <a:rPr lang="en-AU" smtClean="0"/>
-              <a:t>7/09/2018</a:t>
+              <a:t>10/09/2018</a:t>
             </a:fld>
             <a:endParaRPr lang="en-AU"/>
           </a:p>
@@ -3349,10 +3349,10 @@
       </p:grpSpPr>
       <p:sp>
         <p:nvSpPr>
-          <p:cNvPr id="29" name="Rectangle 28">
-            <a:extLst>
-              <a:ext uri="{FF2B5EF4-FFF2-40B4-BE49-F238E27FC236}">
-                <a16:creationId xmlns:a16="http://schemas.microsoft.com/office/drawing/2014/main" id="{8B96EFFF-1DD0-4016-9A07-1C195C2166DD}"/>
+          <p:cNvPr id="25" name="Rectangle 24">
+            <a:extLst>
+              <a:ext uri="{FF2B5EF4-FFF2-40B4-BE49-F238E27FC236}">
+                <a16:creationId xmlns:a16="http://schemas.microsoft.com/office/drawing/2014/main" id="{66A3DD35-1F03-4158-B368-268377F3C856}"/>
               </a:ext>
             </a:extLst>
           </p:cNvPr>
@@ -3361,8 +3361,309 @@
         </p:nvSpPr>
         <p:spPr>
           <a:xfrm>
-            <a:off x="-1607528" y="11307868"/>
-            <a:ext cx="13009482" cy="6086474"/>
+            <a:off x="-67694" y="7421880"/>
+            <a:ext cx="5910773" cy="3101073"/>
+          </a:xfrm>
+          <a:prstGeom prst="rect">
+            <a:avLst/>
+          </a:prstGeom>
+        </p:spPr>
+        <p:style>
+          <a:lnRef idx="2">
+            <a:schemeClr val="accent6">
+              <a:shade val="50000"/>
+            </a:schemeClr>
+          </a:lnRef>
+          <a:fillRef idx="1">
+            <a:schemeClr val="accent6"/>
+          </a:fillRef>
+          <a:effectRef idx="0">
+            <a:schemeClr val="accent6"/>
+          </a:effectRef>
+          <a:fontRef idx="minor">
+            <a:schemeClr val="lt1"/>
+          </a:fontRef>
+        </p:style>
+        <p:txBody>
+          <a:bodyPr rtlCol="0" anchor="ctr"/>
+          <a:lstStyle/>
+          <a:p>
+            <a:pPr algn="ctr"/>
+            <a:r>
+              <a:rPr lang="en-AU" dirty="0"/>
+              <a:t>Functions</a:t>
+            </a:r>
+          </a:p>
+        </p:txBody>
+      </p:sp>
+      <p:sp>
+        <p:nvSpPr>
+          <p:cNvPr id="24" name="Rectangle 23">
+            <a:extLst>
+              <a:ext uri="{FF2B5EF4-FFF2-40B4-BE49-F238E27FC236}">
+                <a16:creationId xmlns:a16="http://schemas.microsoft.com/office/drawing/2014/main" id="{E72A40E1-0A67-4661-B694-5E5E83561B00}"/>
+              </a:ext>
+            </a:extLst>
+          </p:cNvPr>
+          <p:cNvSpPr/>
+          <p:nvPr/>
+        </p:nvSpPr>
+        <p:spPr>
+          <a:xfrm>
+            <a:off x="8765026" y="4226379"/>
+            <a:ext cx="3426974" cy="2631621"/>
+          </a:xfrm>
+          <a:prstGeom prst="rect">
+            <a:avLst/>
+          </a:prstGeom>
+        </p:spPr>
+        <p:style>
+          <a:lnRef idx="2">
+            <a:schemeClr val="accent6">
+              <a:shade val="50000"/>
+            </a:schemeClr>
+          </a:lnRef>
+          <a:fillRef idx="1">
+            <a:schemeClr val="accent6"/>
+          </a:fillRef>
+          <a:effectRef idx="0">
+            <a:schemeClr val="accent6"/>
+          </a:effectRef>
+          <a:fontRef idx="minor">
+            <a:schemeClr val="lt1"/>
+          </a:fontRef>
+        </p:style>
+        <p:txBody>
+          <a:bodyPr rtlCol="0" anchor="ctr"/>
+          <a:lstStyle/>
+          <a:p>
+            <a:pPr algn="ctr"/>
+            <a:r>
+              <a:rPr lang="en-AU" dirty="0"/>
+              <a:t>Functions</a:t>
+            </a:r>
+          </a:p>
+        </p:txBody>
+      </p:sp>
+      <p:sp>
+        <p:nvSpPr>
+          <p:cNvPr id="32" name="Rectangle 31">
+            <a:extLst>
+              <a:ext uri="{FF2B5EF4-FFF2-40B4-BE49-F238E27FC236}">
+                <a16:creationId xmlns:a16="http://schemas.microsoft.com/office/drawing/2014/main" id="{F8123D76-B47E-46AB-B1A8-3EC9F426D037}"/>
+              </a:ext>
+            </a:extLst>
+          </p:cNvPr>
+          <p:cNvSpPr/>
+          <p:nvPr/>
+        </p:nvSpPr>
+        <p:spPr>
+          <a:xfrm>
+            <a:off x="11500" y="2847309"/>
+            <a:ext cx="5706836" cy="4567314"/>
+          </a:xfrm>
+          <a:prstGeom prst="rect">
+            <a:avLst/>
+          </a:prstGeom>
+        </p:spPr>
+        <p:style>
+          <a:lnRef idx="2">
+            <a:schemeClr val="dk1">
+              <a:shade val="50000"/>
+            </a:schemeClr>
+          </a:lnRef>
+          <a:fillRef idx="1">
+            <a:schemeClr val="dk1"/>
+          </a:fillRef>
+          <a:effectRef idx="0">
+            <a:schemeClr val="dk1"/>
+          </a:effectRef>
+          <a:fontRef idx="minor">
+            <a:schemeClr val="lt1"/>
+          </a:fontRef>
+        </p:style>
+        <p:txBody>
+          <a:bodyPr rtlCol="0" anchor="ctr"/>
+          <a:lstStyle/>
+          <a:p>
+            <a:pPr algn="ctr"/>
+            <a:r>
+              <a:rPr lang="en-AU" dirty="0"/>
+              <a:t>Public area</a:t>
+            </a:r>
+          </a:p>
+        </p:txBody>
+      </p:sp>
+      <p:sp>
+        <p:nvSpPr>
+          <p:cNvPr id="31" name="Rectangle 30">
+            <a:extLst>
+              <a:ext uri="{FF2B5EF4-FFF2-40B4-BE49-F238E27FC236}">
+                <a16:creationId xmlns:a16="http://schemas.microsoft.com/office/drawing/2014/main" id="{E64F4874-F646-40AD-936D-61F248DB02BA}"/>
+              </a:ext>
+            </a:extLst>
+          </p:cNvPr>
+          <p:cNvSpPr/>
+          <p:nvPr/>
+        </p:nvSpPr>
+        <p:spPr>
+          <a:xfrm>
+            <a:off x="-219" y="0"/>
+            <a:ext cx="4056502" cy="2658836"/>
+          </a:xfrm>
+          <a:prstGeom prst="rect">
+            <a:avLst/>
+          </a:prstGeom>
+          <a:solidFill>
+            <a:schemeClr val="accent1">
+              <a:lumMod val="40000"/>
+              <a:lumOff val="60000"/>
+            </a:schemeClr>
+          </a:solidFill>
+        </p:spPr>
+        <p:style>
+          <a:lnRef idx="2">
+            <a:schemeClr val="accent3">
+              <a:shade val="50000"/>
+            </a:schemeClr>
+          </a:lnRef>
+          <a:fillRef idx="1">
+            <a:schemeClr val="accent3"/>
+          </a:fillRef>
+          <a:effectRef idx="0">
+            <a:schemeClr val="accent3"/>
+          </a:effectRef>
+          <a:fontRef idx="minor">
+            <a:schemeClr val="lt1"/>
+          </a:fontRef>
+        </p:style>
+        <p:txBody>
+          <a:bodyPr rtlCol="0" anchor="ctr"/>
+          <a:lstStyle/>
+          <a:p>
+            <a:pPr algn="ctr"/>
+            <a:r>
+              <a:rPr lang="en-AU" dirty="0"/>
+              <a:t>member area</a:t>
+            </a:r>
+          </a:p>
+        </p:txBody>
+      </p:sp>
+      <p:sp>
+        <p:nvSpPr>
+          <p:cNvPr id="20" name="Rectangle 19">
+            <a:extLst>
+              <a:ext uri="{FF2B5EF4-FFF2-40B4-BE49-F238E27FC236}">
+                <a16:creationId xmlns:a16="http://schemas.microsoft.com/office/drawing/2014/main" id="{05E49130-96F1-48C5-BE29-902270A8D427}"/>
+              </a:ext>
+            </a:extLst>
+          </p:cNvPr>
+          <p:cNvSpPr/>
+          <p:nvPr/>
+        </p:nvSpPr>
+        <p:spPr>
+          <a:xfrm>
+            <a:off x="0" y="-2409143"/>
+            <a:ext cx="12192000" cy="1877785"/>
+          </a:xfrm>
+          <a:prstGeom prst="rect">
+            <a:avLst/>
+          </a:prstGeom>
+        </p:spPr>
+        <p:style>
+          <a:lnRef idx="2">
+            <a:schemeClr val="accent6">
+              <a:shade val="50000"/>
+            </a:schemeClr>
+          </a:lnRef>
+          <a:fillRef idx="1">
+            <a:schemeClr val="accent6"/>
+          </a:fillRef>
+          <a:effectRef idx="0">
+            <a:schemeClr val="accent6"/>
+          </a:effectRef>
+          <a:fontRef idx="minor">
+            <a:schemeClr val="lt1"/>
+          </a:fontRef>
+        </p:style>
+        <p:txBody>
+          <a:bodyPr rtlCol="0" anchor="ctr"/>
+          <a:lstStyle/>
+          <a:p>
+            <a:pPr algn="ctr"/>
+            <a:r>
+              <a:rPr lang="en-AU" dirty="0"/>
+              <a:t>Functions</a:t>
+            </a:r>
+          </a:p>
+        </p:txBody>
+      </p:sp>
+      <p:sp>
+        <p:nvSpPr>
+          <p:cNvPr id="4" name="Rectangle 3">
+            <a:extLst>
+              <a:ext uri="{FF2B5EF4-FFF2-40B4-BE49-F238E27FC236}">
+                <a16:creationId xmlns:a16="http://schemas.microsoft.com/office/drawing/2014/main" id="{173E8AF5-86C9-4EAF-ADCD-24D8185C9E66}"/>
+              </a:ext>
+            </a:extLst>
+          </p:cNvPr>
+          <p:cNvSpPr/>
+          <p:nvPr/>
+        </p:nvSpPr>
+        <p:spPr>
+          <a:xfrm>
+            <a:off x="4761756" y="219083"/>
+            <a:ext cx="2677886" cy="1877785"/>
+          </a:xfrm>
+          <a:prstGeom prst="rect">
+            <a:avLst/>
+          </a:prstGeom>
+        </p:spPr>
+        <p:style>
+          <a:lnRef idx="2">
+            <a:schemeClr val="accent1">
+              <a:shade val="50000"/>
+            </a:schemeClr>
+          </a:lnRef>
+          <a:fillRef idx="1">
+            <a:schemeClr val="accent1"/>
+          </a:fillRef>
+          <a:effectRef idx="0">
+            <a:schemeClr val="accent1"/>
+          </a:effectRef>
+          <a:fontRef idx="minor">
+            <a:schemeClr val="lt1"/>
+          </a:fontRef>
+        </p:style>
+        <p:txBody>
+          <a:bodyPr rtlCol="0" anchor="ctr"/>
+          <a:lstStyle/>
+          <a:p>
+            <a:pPr algn="ctr"/>
+            <a:r>
+              <a:rPr lang="en-AU" dirty="0" err="1"/>
+              <a:t>index.php</a:t>
+            </a:r>
+            <a:endParaRPr lang="en-AU" dirty="0"/>
+          </a:p>
+        </p:txBody>
+      </p:sp>
+      <p:sp>
+        <p:nvSpPr>
+          <p:cNvPr id="5" name="Rectangle 4">
+            <a:extLst>
+              <a:ext uri="{FF2B5EF4-FFF2-40B4-BE49-F238E27FC236}">
+                <a16:creationId xmlns:a16="http://schemas.microsoft.com/office/drawing/2014/main" id="{C540DBA4-C5DA-439D-9662-49F335591C3C}"/>
+              </a:ext>
+            </a:extLst>
+          </p:cNvPr>
+          <p:cNvSpPr/>
+          <p:nvPr/>
+        </p:nvSpPr>
+        <p:spPr>
+          <a:xfrm>
+            <a:off x="8765027" y="0"/>
+            <a:ext cx="3426974" cy="4226379"/>
           </a:xfrm>
           <a:prstGeom prst="rect">
             <a:avLst/>
@@ -3391,17 +3692,17 @@
             <a:pPr algn="ctr"/>
             <a:r>
               <a:rPr lang="en-AU" dirty="0"/>
-              <a:t>Need to be added</a:t>
-            </a:r>
-          </a:p>
-        </p:txBody>
-      </p:sp>
-      <p:sp>
-        <p:nvSpPr>
-          <p:cNvPr id="25" name="Rectangle 24">
-            <a:extLst>
-              <a:ext uri="{FF2B5EF4-FFF2-40B4-BE49-F238E27FC236}">
-                <a16:creationId xmlns:a16="http://schemas.microsoft.com/office/drawing/2014/main" id="{66A3DD35-1F03-4158-B368-268377F3C856}"/>
+              <a:t>Admin area</a:t>
+            </a:r>
+          </a:p>
+        </p:txBody>
+      </p:sp>
+      <p:sp>
+        <p:nvSpPr>
+          <p:cNvPr id="6" name="Rectangle 5">
+            <a:extLst>
+              <a:ext uri="{FF2B5EF4-FFF2-40B4-BE49-F238E27FC236}">
+                <a16:creationId xmlns:a16="http://schemas.microsoft.com/office/drawing/2014/main" id="{9BE2BFC0-0852-431E-9DE3-9B0EB6E5BF0B}"/>
               </a:ext>
             </a:extLst>
           </p:cNvPr>
@@ -3410,357 +3711,7 @@
         </p:nvSpPr>
         <p:spPr>
           <a:xfrm>
-            <a:off x="-1545378" y="7887226"/>
-            <a:ext cx="5910773" cy="3101073"/>
-          </a:xfrm>
-          <a:prstGeom prst="rect">
-            <a:avLst/>
-          </a:prstGeom>
-        </p:spPr>
-        <p:style>
-          <a:lnRef idx="2">
-            <a:schemeClr val="accent6">
-              <a:shade val="50000"/>
-            </a:schemeClr>
-          </a:lnRef>
-          <a:fillRef idx="1">
-            <a:schemeClr val="accent6"/>
-          </a:fillRef>
-          <a:effectRef idx="0">
-            <a:schemeClr val="accent6"/>
-          </a:effectRef>
-          <a:fontRef idx="minor">
-            <a:schemeClr val="lt1"/>
-          </a:fontRef>
-        </p:style>
-        <p:txBody>
-          <a:bodyPr rtlCol="0" anchor="ctr"/>
-          <a:lstStyle/>
-          <a:p>
-            <a:pPr algn="ctr"/>
-            <a:r>
-              <a:rPr lang="en-AU" dirty="0"/>
-              <a:t>Functions</a:t>
-            </a:r>
-          </a:p>
-        </p:txBody>
-      </p:sp>
-      <p:sp>
-        <p:nvSpPr>
-          <p:cNvPr id="24" name="Rectangle 23">
-            <a:extLst>
-              <a:ext uri="{FF2B5EF4-FFF2-40B4-BE49-F238E27FC236}">
-                <a16:creationId xmlns:a16="http://schemas.microsoft.com/office/drawing/2014/main" id="{E72A40E1-0A67-4661-B694-5E5E83561B00}"/>
-              </a:ext>
-            </a:extLst>
-          </p:cNvPr>
-          <p:cNvSpPr/>
-          <p:nvPr/>
-        </p:nvSpPr>
-        <p:spPr>
-          <a:xfrm>
-            <a:off x="7195791" y="6808220"/>
-            <a:ext cx="4214434" cy="3549653"/>
-          </a:xfrm>
-          <a:prstGeom prst="rect">
-            <a:avLst/>
-          </a:prstGeom>
-        </p:spPr>
-        <p:style>
-          <a:lnRef idx="2">
-            <a:schemeClr val="accent6">
-              <a:shade val="50000"/>
-            </a:schemeClr>
-          </a:lnRef>
-          <a:fillRef idx="1">
-            <a:schemeClr val="accent6"/>
-          </a:fillRef>
-          <a:effectRef idx="0">
-            <a:schemeClr val="accent6"/>
-          </a:effectRef>
-          <a:fontRef idx="minor">
-            <a:schemeClr val="lt1"/>
-          </a:fontRef>
-        </p:style>
-        <p:txBody>
-          <a:bodyPr rtlCol="0" anchor="ctr"/>
-          <a:lstStyle/>
-          <a:p>
-            <a:pPr algn="ctr"/>
-            <a:r>
-              <a:rPr lang="en-AU" dirty="0"/>
-              <a:t>Functions</a:t>
-            </a:r>
-          </a:p>
-        </p:txBody>
-      </p:sp>
-      <p:sp>
-        <p:nvSpPr>
-          <p:cNvPr id="32" name="Rectangle 31">
-            <a:extLst>
-              <a:ext uri="{FF2B5EF4-FFF2-40B4-BE49-F238E27FC236}">
-                <a16:creationId xmlns:a16="http://schemas.microsoft.com/office/drawing/2014/main" id="{F8123D76-B47E-46AB-B1A8-3EC9F426D037}"/>
-              </a:ext>
-            </a:extLst>
-          </p:cNvPr>
-          <p:cNvSpPr/>
-          <p:nvPr/>
-        </p:nvSpPr>
-        <p:spPr>
-          <a:xfrm>
-            <a:off x="-1466184" y="3312655"/>
-            <a:ext cx="5706836" cy="4567314"/>
-          </a:xfrm>
-          <a:prstGeom prst="rect">
-            <a:avLst/>
-          </a:prstGeom>
-        </p:spPr>
-        <p:style>
-          <a:lnRef idx="2">
-            <a:schemeClr val="dk1">
-              <a:shade val="50000"/>
-            </a:schemeClr>
-          </a:lnRef>
-          <a:fillRef idx="1">
-            <a:schemeClr val="dk1"/>
-          </a:fillRef>
-          <a:effectRef idx="0">
-            <a:schemeClr val="dk1"/>
-          </a:effectRef>
-          <a:fontRef idx="minor">
-            <a:schemeClr val="lt1"/>
-          </a:fontRef>
-        </p:style>
-        <p:txBody>
-          <a:bodyPr rtlCol="0" anchor="ctr"/>
-          <a:lstStyle/>
-          <a:p>
-            <a:pPr algn="ctr"/>
-            <a:r>
-              <a:rPr lang="en-AU" dirty="0"/>
-              <a:t>Public area</a:t>
-            </a:r>
-          </a:p>
-        </p:txBody>
-      </p:sp>
-      <p:sp>
-        <p:nvSpPr>
-          <p:cNvPr id="31" name="Rectangle 30">
-            <a:extLst>
-              <a:ext uri="{FF2B5EF4-FFF2-40B4-BE49-F238E27FC236}">
-                <a16:creationId xmlns:a16="http://schemas.microsoft.com/office/drawing/2014/main" id="{E64F4874-F646-40AD-936D-61F248DB02BA}"/>
-              </a:ext>
-            </a:extLst>
-          </p:cNvPr>
-          <p:cNvSpPr/>
-          <p:nvPr/>
-        </p:nvSpPr>
-        <p:spPr>
-          <a:xfrm>
-            <a:off x="-1403591" y="51025"/>
-            <a:ext cx="5706836" cy="2658836"/>
-          </a:xfrm>
-          <a:prstGeom prst="rect">
-            <a:avLst/>
-          </a:prstGeom>
-          <a:solidFill>
-            <a:schemeClr val="accent1">
-              <a:lumMod val="40000"/>
-              <a:lumOff val="60000"/>
-            </a:schemeClr>
-          </a:solidFill>
-        </p:spPr>
-        <p:style>
-          <a:lnRef idx="2">
-            <a:schemeClr val="accent3">
-              <a:shade val="50000"/>
-            </a:schemeClr>
-          </a:lnRef>
-          <a:fillRef idx="1">
-            <a:schemeClr val="accent3"/>
-          </a:fillRef>
-          <a:effectRef idx="0">
-            <a:schemeClr val="accent3"/>
-          </a:effectRef>
-          <a:fontRef idx="minor">
-            <a:schemeClr val="lt1"/>
-          </a:fontRef>
-        </p:style>
-        <p:txBody>
-          <a:bodyPr rtlCol="0" anchor="ctr"/>
-          <a:lstStyle/>
-          <a:p>
-            <a:pPr algn="ctr"/>
-            <a:r>
-              <a:rPr lang="en-AU" dirty="0"/>
-              <a:t>member area</a:t>
-            </a:r>
-          </a:p>
-        </p:txBody>
-      </p:sp>
-      <p:sp>
-        <p:nvSpPr>
-          <p:cNvPr id="20" name="Rectangle 19">
-            <a:extLst>
-              <a:ext uri="{FF2B5EF4-FFF2-40B4-BE49-F238E27FC236}">
-                <a16:creationId xmlns:a16="http://schemas.microsoft.com/office/drawing/2014/main" id="{05E49130-96F1-48C5-BE29-902270A8D427}"/>
-              </a:ext>
-            </a:extLst>
-          </p:cNvPr>
-          <p:cNvSpPr/>
-          <p:nvPr/>
-        </p:nvSpPr>
-        <p:spPr>
-          <a:xfrm>
-            <a:off x="45070" y="-2409143"/>
-            <a:ext cx="11623557" cy="1877785"/>
-          </a:xfrm>
-          <a:prstGeom prst="rect">
-            <a:avLst/>
-          </a:prstGeom>
-        </p:spPr>
-        <p:style>
-          <a:lnRef idx="2">
-            <a:schemeClr val="accent6">
-              <a:shade val="50000"/>
-            </a:schemeClr>
-          </a:lnRef>
-          <a:fillRef idx="1">
-            <a:schemeClr val="accent6"/>
-          </a:fillRef>
-          <a:effectRef idx="0">
-            <a:schemeClr val="accent6"/>
-          </a:effectRef>
-          <a:fontRef idx="minor">
-            <a:schemeClr val="lt1"/>
-          </a:fontRef>
-        </p:style>
-        <p:txBody>
-          <a:bodyPr rtlCol="0" anchor="ctr"/>
-          <a:lstStyle/>
-          <a:p>
-            <a:pPr algn="ctr"/>
-            <a:r>
-              <a:rPr lang="en-AU" dirty="0"/>
-              <a:t>Functions</a:t>
-            </a:r>
-          </a:p>
-        </p:txBody>
-      </p:sp>
-      <p:sp>
-        <p:nvSpPr>
-          <p:cNvPr id="4" name="Rectangle 3">
-            <a:extLst>
-              <a:ext uri="{FF2B5EF4-FFF2-40B4-BE49-F238E27FC236}">
-                <a16:creationId xmlns:a16="http://schemas.microsoft.com/office/drawing/2014/main" id="{173E8AF5-86C9-4EAF-ADCD-24D8185C9E66}"/>
-              </a:ext>
-            </a:extLst>
-          </p:cNvPr>
-          <p:cNvSpPr/>
-          <p:nvPr/>
-        </p:nvSpPr>
-        <p:spPr>
-          <a:xfrm>
-            <a:off x="4517905" y="372834"/>
-            <a:ext cx="2677886" cy="1877785"/>
-          </a:xfrm>
-          <a:prstGeom prst="rect">
-            <a:avLst/>
-          </a:prstGeom>
-        </p:spPr>
-        <p:style>
-          <a:lnRef idx="2">
-            <a:schemeClr val="accent1">
-              <a:shade val="50000"/>
-            </a:schemeClr>
-          </a:lnRef>
-          <a:fillRef idx="1">
-            <a:schemeClr val="accent1"/>
-          </a:fillRef>
-          <a:effectRef idx="0">
-            <a:schemeClr val="accent1"/>
-          </a:effectRef>
-          <a:fontRef idx="minor">
-            <a:schemeClr val="lt1"/>
-          </a:fontRef>
-        </p:style>
-        <p:txBody>
-          <a:bodyPr rtlCol="0" anchor="ctr"/>
-          <a:lstStyle/>
-          <a:p>
-            <a:pPr algn="ctr"/>
-            <a:r>
-              <a:rPr lang="en-AU" dirty="0" err="1"/>
-              <a:t>index.php</a:t>
-            </a:r>
-            <a:endParaRPr lang="en-AU" dirty="0"/>
-          </a:p>
-        </p:txBody>
-      </p:sp>
-      <p:sp>
-        <p:nvSpPr>
-          <p:cNvPr id="5" name="Rectangle 4">
-            <a:extLst>
-              <a:ext uri="{FF2B5EF4-FFF2-40B4-BE49-F238E27FC236}">
-                <a16:creationId xmlns:a16="http://schemas.microsoft.com/office/drawing/2014/main" id="{C540DBA4-C5DA-439D-9662-49F335591C3C}"/>
-              </a:ext>
-            </a:extLst>
-          </p:cNvPr>
-          <p:cNvSpPr/>
-          <p:nvPr/>
-        </p:nvSpPr>
-        <p:spPr>
-          <a:xfrm>
-            <a:off x="7410451" y="385763"/>
-            <a:ext cx="3426974" cy="6086474"/>
-          </a:xfrm>
-          <a:prstGeom prst="rect">
-            <a:avLst/>
-          </a:prstGeom>
-        </p:spPr>
-        <p:style>
-          <a:lnRef idx="2">
-            <a:schemeClr val="accent4">
-              <a:shade val="50000"/>
-            </a:schemeClr>
-          </a:lnRef>
-          <a:fillRef idx="1">
-            <a:schemeClr val="accent4"/>
-          </a:fillRef>
-          <a:effectRef idx="0">
-            <a:schemeClr val="accent4"/>
-          </a:effectRef>
-          <a:fontRef idx="minor">
-            <a:schemeClr val="lt1"/>
-          </a:fontRef>
-        </p:style>
-        <p:txBody>
-          <a:bodyPr rtlCol="0" anchor="ctr"/>
-          <a:lstStyle/>
-          <a:p>
-            <a:pPr algn="ctr"/>
-            <a:r>
-              <a:rPr lang="en-AU" dirty="0"/>
-              <a:t>Admin area</a:t>
-            </a:r>
-          </a:p>
-        </p:txBody>
-      </p:sp>
-      <p:sp>
-        <p:nvSpPr>
-          <p:cNvPr id="6" name="Rectangle 5">
-            <a:extLst>
-              <a:ext uri="{FF2B5EF4-FFF2-40B4-BE49-F238E27FC236}">
-                <a16:creationId xmlns:a16="http://schemas.microsoft.com/office/drawing/2014/main" id="{9BE2BFC0-0852-431E-9DE3-9B0EB6E5BF0B}"/>
-              </a:ext>
-            </a:extLst>
-          </p:cNvPr>
-          <p:cNvSpPr/>
-          <p:nvPr/>
-        </p:nvSpPr>
-        <p:spPr>
-          <a:xfrm>
-            <a:off x="7511143" y="829352"/>
+            <a:off x="8865719" y="443589"/>
             <a:ext cx="2677886" cy="571502"/>
           </a:xfrm>
           <a:prstGeom prst="rect">
@@ -3815,7 +3766,7 @@
         </p:nvSpPr>
         <p:spPr>
           <a:xfrm>
-            <a:off x="7549243" y="4642073"/>
+            <a:off x="8903819" y="2927859"/>
             <a:ext cx="2677886" cy="571502"/>
           </a:xfrm>
           <a:prstGeom prst="rect">
@@ -3870,7 +3821,7 @@
         </p:nvSpPr>
         <p:spPr>
           <a:xfrm>
-            <a:off x="1410009" y="4905141"/>
+            <a:off x="2887693" y="4439795"/>
             <a:ext cx="2677886" cy="571502"/>
           </a:xfrm>
           <a:prstGeom prst="rect">
@@ -3918,7 +3869,7 @@
         </p:nvSpPr>
         <p:spPr>
           <a:xfrm>
-            <a:off x="7549243" y="5414959"/>
+            <a:off x="8903819" y="3533435"/>
             <a:ext cx="2677886" cy="571502"/>
           </a:xfrm>
           <a:prstGeom prst="rect">
@@ -3973,7 +3924,7 @@
         </p:nvSpPr>
         <p:spPr>
           <a:xfrm>
-            <a:off x="7549243" y="2709861"/>
+            <a:off x="8903819" y="2324098"/>
             <a:ext cx="2677886" cy="571502"/>
           </a:xfrm>
           <a:prstGeom prst="rect">
@@ -4028,7 +3979,7 @@
         </p:nvSpPr>
         <p:spPr>
           <a:xfrm>
-            <a:off x="8159539" y="7622036"/>
+            <a:off x="8939296" y="4489167"/>
             <a:ext cx="2677886" cy="571502"/>
           </a:xfrm>
           <a:prstGeom prst="rect">
@@ -4076,7 +4027,7 @@
         </p:nvSpPr>
         <p:spPr>
           <a:xfrm>
-            <a:off x="-1466184" y="3422192"/>
+            <a:off x="11500" y="2956846"/>
             <a:ext cx="2677886" cy="571502"/>
           </a:xfrm>
           <a:prstGeom prst="rect">
@@ -4124,7 +4075,7 @@
         </p:nvSpPr>
         <p:spPr>
           <a:xfrm>
-            <a:off x="-1167629" y="8189074"/>
+            <a:off x="310055" y="7723728"/>
             <a:ext cx="2677886" cy="571502"/>
           </a:xfrm>
           <a:prstGeom prst="rect">
@@ -4220,7 +4171,7 @@
         </p:nvSpPr>
         <p:spPr>
           <a:xfrm>
-            <a:off x="1466848" y="3422192"/>
+            <a:off x="2944532" y="2956846"/>
             <a:ext cx="2677886" cy="571502"/>
           </a:xfrm>
           <a:prstGeom prst="rect">
@@ -4316,7 +4267,7 @@
         </p:nvSpPr>
         <p:spPr>
           <a:xfrm>
-            <a:off x="4495798" y="3654877"/>
+            <a:off x="5928630" y="3026904"/>
             <a:ext cx="2677886" cy="571502"/>
           </a:xfrm>
           <a:prstGeom prst="rect">
@@ -4364,7 +4315,7 @@
         </p:nvSpPr>
         <p:spPr>
           <a:xfrm>
-            <a:off x="-1420634" y="4854344"/>
+            <a:off x="57050" y="4388998"/>
             <a:ext cx="2677886" cy="571502"/>
           </a:xfrm>
           <a:prstGeom prst="rect">
@@ -4412,7 +4363,7 @@
         </p:nvSpPr>
         <p:spPr>
           <a:xfrm>
-            <a:off x="7584720" y="1679115"/>
+            <a:off x="8939296" y="1293352"/>
             <a:ext cx="2677886" cy="571502"/>
           </a:xfrm>
           <a:prstGeom prst="rect">
@@ -4469,9 +4420,9 @@
           <p:nvPr/>
         </p:nvCxnSpPr>
         <p:spPr>
-          <a:xfrm rot="5400000" flipH="1" flipV="1">
-            <a:off x="5404752" y="-79262"/>
-            <a:ext cx="904192" cy="1"/>
+          <a:xfrm rot="16200000" flipV="1">
+            <a:off x="5723130" y="-158487"/>
+            <a:ext cx="750441" cy="4699"/>
           </a:xfrm>
           <a:prstGeom prst="bentConnector3">
             <a:avLst/>
@@ -4510,8 +4461,8 @@
         </p:nvCxnSpPr>
         <p:spPr>
           <a:xfrm rot="16200000" flipH="1">
-            <a:off x="6044459" y="2063007"/>
-            <a:ext cx="1178381" cy="1553603"/>
+            <a:off x="7424702" y="772865"/>
+            <a:ext cx="16322" cy="2664328"/>
           </a:xfrm>
           <a:prstGeom prst="bentConnector2">
             <a:avLst/>
@@ -4546,8 +4497,55 @@
         </p:nvSpPr>
         <p:spPr>
           <a:xfrm>
-            <a:off x="-1535248" y="6140887"/>
+            <a:off x="-48937" y="5502859"/>
             <a:ext cx="2985075" cy="571502"/>
+          </a:xfrm>
+          <a:prstGeom prst="rect">
+            <a:avLst/>
+          </a:prstGeom>
+        </p:spPr>
+        <p:style>
+          <a:lnRef idx="2">
+            <a:schemeClr val="dk1"/>
+          </a:lnRef>
+          <a:fillRef idx="1">
+            <a:schemeClr val="lt1"/>
+          </a:fillRef>
+          <a:effectRef idx="0">
+            <a:schemeClr val="dk1"/>
+          </a:effectRef>
+          <a:fontRef idx="minor">
+            <a:schemeClr val="dk1"/>
+          </a:fontRef>
+        </p:style>
+        <p:txBody>
+          <a:bodyPr rtlCol="0" anchor="ctr"/>
+          <a:lstStyle/>
+          <a:p>
+            <a:pPr algn="ctr"/>
+            <a:r>
+              <a:rPr lang="en-AU" dirty="0"/>
+              <a:t>Movie details Page</a:t>
+            </a:r>
+          </a:p>
+        </p:txBody>
+      </p:sp>
+      <p:sp>
+        <p:nvSpPr>
+          <p:cNvPr id="30" name="Rectangle 29">
+            <a:extLst>
+              <a:ext uri="{FF2B5EF4-FFF2-40B4-BE49-F238E27FC236}">
+                <a16:creationId xmlns:a16="http://schemas.microsoft.com/office/drawing/2014/main" id="{33B76563-5CA0-44B3-8AAB-1EA08B018352}"/>
+              </a:ext>
+            </a:extLst>
+          </p:cNvPr>
+          <p:cNvSpPr/>
+          <p:nvPr/>
+        </p:nvSpPr>
+        <p:spPr>
+          <a:xfrm>
+            <a:off x="3063850" y="5596569"/>
+            <a:ext cx="2864780" cy="571502"/>
           </a:xfrm>
           <a:prstGeom prst="rect">
             <a:avLst/>
@@ -4574,7 +4572,7 @@
             <a:pPr algn="ctr"/>
             <a:r>
               <a:rPr lang="en-AU" dirty="0"/>
-              <a:t>Movie details Page</a:t>
+              <a:t>Comment/rating page</a:t>
             </a:r>
           </a:p>
           <a:p>
@@ -4588,10 +4586,10 @@
       </p:sp>
       <p:sp>
         <p:nvSpPr>
-          <p:cNvPr id="30" name="Rectangle 29">
-            <a:extLst>
-              <a:ext uri="{FF2B5EF4-FFF2-40B4-BE49-F238E27FC236}">
-                <a16:creationId xmlns:a16="http://schemas.microsoft.com/office/drawing/2014/main" id="{33B76563-5CA0-44B3-8AAB-1EA08B018352}"/>
+          <p:cNvPr id="33" name="Rectangle 32">
+            <a:extLst>
+              <a:ext uri="{FF2B5EF4-FFF2-40B4-BE49-F238E27FC236}">
+                <a16:creationId xmlns:a16="http://schemas.microsoft.com/office/drawing/2014/main" id="{C5C3AAE4-C319-4DEA-BA95-9132110B8C16}"/>
               </a:ext>
             </a:extLst>
           </p:cNvPr>
@@ -4600,25 +4598,25 @@
         </p:nvSpPr>
         <p:spPr>
           <a:xfrm>
-            <a:off x="-1607528" y="7029432"/>
-            <a:ext cx="2864780" cy="571502"/>
+            <a:off x="726256" y="1818606"/>
+            <a:ext cx="2868404" cy="571502"/>
           </a:xfrm>
           <a:prstGeom prst="rect">
             <a:avLst/>
           </a:prstGeom>
         </p:spPr>
         <p:style>
-          <a:lnRef idx="0">
-            <a:schemeClr val="accent3"/>
+          <a:lnRef idx="2">
+            <a:schemeClr val="dk1"/>
           </a:lnRef>
-          <a:fillRef idx="3">
-            <a:schemeClr val="accent3"/>
+          <a:fillRef idx="1">
+            <a:schemeClr val="lt1"/>
           </a:fillRef>
-          <a:effectRef idx="3">
-            <a:schemeClr val="accent3"/>
+          <a:effectRef idx="0">
+            <a:schemeClr val="dk1"/>
           </a:effectRef>
           <a:fontRef idx="minor">
-            <a:schemeClr val="lt1"/>
+            <a:schemeClr val="dk1"/>
           </a:fontRef>
         </p:style>
         <p:txBody>
@@ -4627,25 +4625,19 @@
           <a:p>
             <a:pPr algn="ctr"/>
             <a:r>
-              <a:rPr lang="en-AU" dirty="0"/>
-              <a:t>Comment/rating page</a:t>
-            </a:r>
-          </a:p>
-          <a:p>
-            <a:pPr algn="ctr"/>
-            <a:r>
-              <a:rPr lang="en-AU" dirty="0"/>
-              <a:t>Need to be added</a:t>
-            </a:r>
-          </a:p>
-        </p:txBody>
-      </p:sp>
-      <p:sp>
-        <p:nvSpPr>
-          <p:cNvPr id="33" name="Rectangle 32">
-            <a:extLst>
-              <a:ext uri="{FF2B5EF4-FFF2-40B4-BE49-F238E27FC236}">
-                <a16:creationId xmlns:a16="http://schemas.microsoft.com/office/drawing/2014/main" id="{C5C3AAE4-C319-4DEA-BA95-9132110B8C16}"/>
+              <a:rPr lang="en-AU" dirty="0" err="1"/>
+              <a:t>Userprofile</a:t>
+            </a:r>
+            <a:endParaRPr lang="en-AU" dirty="0"/>
+          </a:p>
+        </p:txBody>
+      </p:sp>
+      <p:sp>
+        <p:nvSpPr>
+          <p:cNvPr id="34" name="Rectangle 33">
+            <a:extLst>
+              <a:ext uri="{FF2B5EF4-FFF2-40B4-BE49-F238E27FC236}">
+                <a16:creationId xmlns:a16="http://schemas.microsoft.com/office/drawing/2014/main" id="{1A3AC25B-6EB6-4B26-8943-3698BE2CEFEB}"/>
               </a:ext>
             </a:extLst>
           </p:cNvPr>
@@ -4654,63 +4646,8 @@
         </p:nvSpPr>
         <p:spPr>
           <a:xfrm>
-            <a:off x="-1286424" y="1804070"/>
-            <a:ext cx="4035376" cy="571502"/>
-          </a:xfrm>
-          <a:prstGeom prst="rect">
-            <a:avLst/>
-          </a:prstGeom>
-        </p:spPr>
-        <p:style>
-          <a:lnRef idx="0">
-            <a:schemeClr val="accent3"/>
-          </a:lnRef>
-          <a:fillRef idx="3">
-            <a:schemeClr val="accent3"/>
-          </a:fillRef>
-          <a:effectRef idx="3">
-            <a:schemeClr val="accent3"/>
-          </a:effectRef>
-          <a:fontRef idx="minor">
-            <a:schemeClr val="lt1"/>
-          </a:fontRef>
-        </p:style>
-        <p:txBody>
-          <a:bodyPr rtlCol="0" anchor="ctr"/>
-          <a:lstStyle/>
-          <a:p>
-            <a:pPr algn="ctr"/>
-            <a:r>
-              <a:rPr lang="en-AU" dirty="0" err="1"/>
-              <a:t>Userprofile</a:t>
-            </a:r>
-            <a:endParaRPr lang="en-AU" dirty="0"/>
-          </a:p>
-          <a:p>
-            <a:pPr algn="ctr"/>
-            <a:r>
-              <a:rPr lang="en-AU" dirty="0"/>
-              <a:t>Need to be added</a:t>
-            </a:r>
-          </a:p>
-        </p:txBody>
-      </p:sp>
-      <p:sp>
-        <p:nvSpPr>
-          <p:cNvPr id="34" name="Rectangle 33">
-            <a:extLst>
-              <a:ext uri="{FF2B5EF4-FFF2-40B4-BE49-F238E27FC236}">
-                <a16:creationId xmlns:a16="http://schemas.microsoft.com/office/drawing/2014/main" id="{1A3AC25B-6EB6-4B26-8943-3698BE2CEFEB}"/>
-              </a:ext>
-            </a:extLst>
-          </p:cNvPr>
-          <p:cNvSpPr/>
-          <p:nvPr/>
-        </p:nvSpPr>
-        <p:spPr>
-          <a:xfrm>
-            <a:off x="-1229585" y="296752"/>
-            <a:ext cx="4035376" cy="571502"/>
+            <a:off x="473184" y="296752"/>
+            <a:ext cx="2868404" cy="571502"/>
           </a:xfrm>
           <a:prstGeom prst="rect">
             <a:avLst/>

--- a/extra/Sitemap.pptx
+++ b/extra/Sitemap.pptx
@@ -261,7 +261,7 @@
           <a:p>
             <a:fld id="{2326C657-C1E0-4964-BB1E-A691970DFC48}" type="datetimeFigureOut">
               <a:rPr lang="en-AU" smtClean="0"/>
-              <a:t>10/09/2018</a:t>
+              <a:t>13/09/2018</a:t>
             </a:fld>
             <a:endParaRPr lang="en-AU"/>
           </a:p>
@@ -461,7 +461,7 @@
           <a:p>
             <a:fld id="{2326C657-C1E0-4964-BB1E-A691970DFC48}" type="datetimeFigureOut">
               <a:rPr lang="en-AU" smtClean="0"/>
-              <a:t>10/09/2018</a:t>
+              <a:t>13/09/2018</a:t>
             </a:fld>
             <a:endParaRPr lang="en-AU"/>
           </a:p>
@@ -671,7 +671,7 @@
           <a:p>
             <a:fld id="{2326C657-C1E0-4964-BB1E-A691970DFC48}" type="datetimeFigureOut">
               <a:rPr lang="en-AU" smtClean="0"/>
-              <a:t>10/09/2018</a:t>
+              <a:t>13/09/2018</a:t>
             </a:fld>
             <a:endParaRPr lang="en-AU"/>
           </a:p>
@@ -871,7 +871,7 @@
           <a:p>
             <a:fld id="{2326C657-C1E0-4964-BB1E-A691970DFC48}" type="datetimeFigureOut">
               <a:rPr lang="en-AU" smtClean="0"/>
-              <a:t>10/09/2018</a:t>
+              <a:t>13/09/2018</a:t>
             </a:fld>
             <a:endParaRPr lang="en-AU"/>
           </a:p>
@@ -1147,7 +1147,7 @@
           <a:p>
             <a:fld id="{2326C657-C1E0-4964-BB1E-A691970DFC48}" type="datetimeFigureOut">
               <a:rPr lang="en-AU" smtClean="0"/>
-              <a:t>10/09/2018</a:t>
+              <a:t>13/09/2018</a:t>
             </a:fld>
             <a:endParaRPr lang="en-AU"/>
           </a:p>
@@ -1415,7 +1415,7 @@
           <a:p>
             <a:fld id="{2326C657-C1E0-4964-BB1E-A691970DFC48}" type="datetimeFigureOut">
               <a:rPr lang="en-AU" smtClean="0"/>
-              <a:t>10/09/2018</a:t>
+              <a:t>13/09/2018</a:t>
             </a:fld>
             <a:endParaRPr lang="en-AU"/>
           </a:p>
@@ -1830,7 +1830,7 @@
           <a:p>
             <a:fld id="{2326C657-C1E0-4964-BB1E-A691970DFC48}" type="datetimeFigureOut">
               <a:rPr lang="en-AU" smtClean="0"/>
-              <a:t>10/09/2018</a:t>
+              <a:t>13/09/2018</a:t>
             </a:fld>
             <a:endParaRPr lang="en-AU"/>
           </a:p>
@@ -1972,7 +1972,7 @@
           <a:p>
             <a:fld id="{2326C657-C1E0-4964-BB1E-A691970DFC48}" type="datetimeFigureOut">
               <a:rPr lang="en-AU" smtClean="0"/>
-              <a:t>10/09/2018</a:t>
+              <a:t>13/09/2018</a:t>
             </a:fld>
             <a:endParaRPr lang="en-AU"/>
           </a:p>
@@ -2085,7 +2085,7 @@
           <a:p>
             <a:fld id="{2326C657-C1E0-4964-BB1E-A691970DFC48}" type="datetimeFigureOut">
               <a:rPr lang="en-AU" smtClean="0"/>
-              <a:t>10/09/2018</a:t>
+              <a:t>13/09/2018</a:t>
             </a:fld>
             <a:endParaRPr lang="en-AU"/>
           </a:p>
@@ -2398,7 +2398,7 @@
           <a:p>
             <a:fld id="{2326C657-C1E0-4964-BB1E-A691970DFC48}" type="datetimeFigureOut">
               <a:rPr lang="en-AU" smtClean="0"/>
-              <a:t>10/09/2018</a:t>
+              <a:t>13/09/2018</a:t>
             </a:fld>
             <a:endParaRPr lang="en-AU"/>
           </a:p>
@@ -2687,7 +2687,7 @@
           <a:p>
             <a:fld id="{2326C657-C1E0-4964-BB1E-A691970DFC48}" type="datetimeFigureOut">
               <a:rPr lang="en-AU" smtClean="0"/>
-              <a:t>10/09/2018</a:t>
+              <a:t>13/09/2018</a:t>
             </a:fld>
             <a:endParaRPr lang="en-AU"/>
           </a:p>
@@ -2930,7 +2930,7 @@
           <a:p>
             <a:fld id="{2326C657-C1E0-4964-BB1E-A691970DFC48}" type="datetimeFigureOut">
               <a:rPr lang="en-AU" smtClean="0"/>
-              <a:t>10/09/2018</a:t>
+              <a:t>13/09/2018</a:t>
             </a:fld>
             <a:endParaRPr lang="en-AU"/>
           </a:p>
@@ -3362,7 +3362,7 @@
         <p:spPr>
           <a:xfrm>
             <a:off x="-67694" y="7421880"/>
-            <a:ext cx="5910773" cy="3101073"/>
+            <a:ext cx="5910773" cy="2169297"/>
           </a:xfrm>
           <a:prstGeom prst="rect">
             <a:avLst/>
@@ -3612,7 +3612,7 @@
         </p:nvSpPr>
         <p:spPr>
           <a:xfrm>
-            <a:off x="4761756" y="219083"/>
+            <a:off x="4886992" y="275119"/>
             <a:ext cx="2677886" cy="1877785"/>
           </a:xfrm>
           <a:prstGeom prst="rect">
@@ -4027,7 +4027,7 @@
         </p:nvSpPr>
         <p:spPr>
           <a:xfrm>
-            <a:off x="11500" y="2956846"/>
+            <a:off x="2959161" y="6644594"/>
             <a:ext cx="2677886" cy="571502"/>
           </a:xfrm>
           <a:prstGeom prst="rect">
@@ -4123,7 +4123,7 @@
         </p:nvSpPr>
         <p:spPr>
           <a:xfrm>
-            <a:off x="568443" y="-1738996"/>
+            <a:off x="1350443" y="-2119629"/>
             <a:ext cx="2677886" cy="571502"/>
           </a:xfrm>
           <a:prstGeom prst="rect">
@@ -4219,7 +4219,7 @@
         </p:nvSpPr>
         <p:spPr>
           <a:xfrm>
-            <a:off x="8241491" y="-1738996"/>
+            <a:off x="7839740" y="-2113189"/>
             <a:ext cx="2677886" cy="571502"/>
           </a:xfrm>
           <a:prstGeom prst="rect">
@@ -4267,8 +4267,8 @@
         </p:nvSpPr>
         <p:spPr>
           <a:xfrm>
-            <a:off x="5928630" y="3026904"/>
-            <a:ext cx="2677886" cy="571502"/>
+            <a:off x="5257293" y="1435896"/>
+            <a:ext cx="1646506" cy="571502"/>
           </a:xfrm>
           <a:prstGeom prst="rect">
             <a:avLst/>
@@ -4363,7 +4363,7 @@
         </p:nvSpPr>
         <p:spPr>
           <a:xfrm>
-            <a:off x="8939296" y="1293352"/>
+            <a:off x="8765026" y="-1236891"/>
             <a:ext cx="2677886" cy="571502"/>
           </a:xfrm>
           <a:prstGeom prst="rect">
@@ -4421,8 +4421,8 @@
         </p:nvCxnSpPr>
         <p:spPr>
           <a:xfrm rot="16200000" flipV="1">
-            <a:off x="5723130" y="-158487"/>
-            <a:ext cx="750441" cy="4699"/>
+            <a:off x="5757730" y="-193087"/>
+            <a:ext cx="806477" cy="129935"/>
           </a:xfrm>
           <a:prstGeom prst="bentConnector3">
             <a:avLst/>
@@ -4454,15 +4454,15 @@
           </p:cNvPr>
           <p:cNvCxnSpPr>
             <a:cxnSpLocks/>
-            <a:stCxn id="4" idx="2"/>
+            <a:stCxn id="21" idx="2"/>
             <a:endCxn id="5" idx="1"/>
           </p:cNvCxnSpPr>
           <p:nvPr/>
         </p:nvCxnSpPr>
         <p:spPr>
           <a:xfrm rot="16200000" flipH="1">
-            <a:off x="7424702" y="772865"/>
-            <a:ext cx="16322" cy="2664328"/>
+            <a:off x="7369890" y="718053"/>
+            <a:ext cx="105792" cy="2684481"/>
           </a:xfrm>
           <a:prstGeom prst="bentConnector2">
             <a:avLst/>
@@ -4497,8 +4497,8 @@
         </p:nvSpPr>
         <p:spPr>
           <a:xfrm>
-            <a:off x="-48937" y="5502859"/>
-            <a:ext cx="2985075" cy="571502"/>
+            <a:off x="-48937" y="5502858"/>
+            <a:ext cx="2985075" cy="1244297"/>
           </a:xfrm>
           <a:prstGeom prst="rect">
             <a:avLst/>
@@ -4524,62 +4524,16 @@
           <a:p>
             <a:pPr algn="ctr"/>
             <a:r>
+              <a:rPr lang="en-AU" dirty="0" err="1"/>
+              <a:t>movieDetails.php</a:t>
+            </a:r>
+            <a:endParaRPr lang="en-AU" dirty="0"/>
+          </a:p>
+          <a:p>
+            <a:pPr algn="ctr"/>
+            <a:r>
               <a:rPr lang="en-AU" dirty="0"/>
-              <a:t>Movie details Page</a:t>
-            </a:r>
-          </a:p>
-        </p:txBody>
-      </p:sp>
-      <p:sp>
-        <p:nvSpPr>
-          <p:cNvPr id="30" name="Rectangle 29">
-            <a:extLst>
-              <a:ext uri="{FF2B5EF4-FFF2-40B4-BE49-F238E27FC236}">
-                <a16:creationId xmlns:a16="http://schemas.microsoft.com/office/drawing/2014/main" id="{33B76563-5CA0-44B3-8AAB-1EA08B018352}"/>
-              </a:ext>
-            </a:extLst>
-          </p:cNvPr>
-          <p:cNvSpPr/>
-          <p:nvPr/>
-        </p:nvSpPr>
-        <p:spPr>
-          <a:xfrm>
-            <a:off x="3063850" y="5596569"/>
-            <a:ext cx="2864780" cy="571502"/>
-          </a:xfrm>
-          <a:prstGeom prst="rect">
-            <a:avLst/>
-          </a:prstGeom>
-        </p:spPr>
-        <p:style>
-          <a:lnRef idx="0">
-            <a:schemeClr val="accent3"/>
-          </a:lnRef>
-          <a:fillRef idx="3">
-            <a:schemeClr val="accent3"/>
-          </a:fillRef>
-          <a:effectRef idx="3">
-            <a:schemeClr val="accent3"/>
-          </a:effectRef>
-          <a:fontRef idx="minor">
-            <a:schemeClr val="lt1"/>
-          </a:fontRef>
-        </p:style>
-        <p:txBody>
-          <a:bodyPr rtlCol="0" anchor="ctr"/>
-          <a:lstStyle/>
-          <a:p>
-            <a:pPr algn="ctr"/>
-            <a:r>
-              <a:rPr lang="en-AU" dirty="0"/>
-              <a:t>Comment/rating page</a:t>
-            </a:r>
-          </a:p>
-          <a:p>
-            <a:pPr algn="ctr"/>
-            <a:r>
-              <a:rPr lang="en-AU" dirty="0"/>
-              <a:t>Need to be added</a:t>
+              <a:t>Non-member can’t leave rating, comment, or see the user profile of discussion.</a:t>
             </a:r>
           </a:p>
         </p:txBody>
@@ -4634,10 +4588,10 @@
       </p:sp>
       <p:sp>
         <p:nvSpPr>
-          <p:cNvPr id="34" name="Rectangle 33">
-            <a:extLst>
-              <a:ext uri="{FF2B5EF4-FFF2-40B4-BE49-F238E27FC236}">
-                <a16:creationId xmlns:a16="http://schemas.microsoft.com/office/drawing/2014/main" id="{1A3AC25B-6EB6-4B26-8943-3698BE2CEFEB}"/>
+          <p:cNvPr id="29" name="Rectangle 28">
+            <a:extLst>
+              <a:ext uri="{FF2B5EF4-FFF2-40B4-BE49-F238E27FC236}">
+                <a16:creationId xmlns:a16="http://schemas.microsoft.com/office/drawing/2014/main" id="{DCDB2E53-BFF4-40C5-9DB8-F5B56ACA0160}"/>
               </a:ext>
             </a:extLst>
           </p:cNvPr>
@@ -4646,25 +4600,25 @@
         </p:nvSpPr>
         <p:spPr>
           <a:xfrm>
-            <a:off x="473184" y="296752"/>
-            <a:ext cx="2868404" cy="571502"/>
+            <a:off x="2097429" y="110844"/>
+            <a:ext cx="1930900" cy="571502"/>
           </a:xfrm>
           <a:prstGeom prst="rect">
             <a:avLst/>
           </a:prstGeom>
         </p:spPr>
         <p:style>
-          <a:lnRef idx="0">
-            <a:schemeClr val="accent3"/>
+          <a:lnRef idx="2">
+            <a:schemeClr val="dk1"/>
           </a:lnRef>
-          <a:fillRef idx="3">
-            <a:schemeClr val="accent3"/>
+          <a:fillRef idx="1">
+            <a:schemeClr val="lt1"/>
           </a:fillRef>
-          <a:effectRef idx="3">
-            <a:schemeClr val="accent3"/>
+          <a:effectRef idx="0">
+            <a:schemeClr val="dk1"/>
           </a:effectRef>
           <a:fontRef idx="minor">
-            <a:schemeClr val="lt1"/>
+            <a:schemeClr val="dk1"/>
           </a:fontRef>
         </p:style>
         <p:txBody>
@@ -4673,19 +4627,433 @@
           <a:p>
             <a:pPr algn="ctr"/>
             <a:r>
-              <a:rPr lang="en-AU" dirty="0"/>
-              <a:t>Comment/rating leaving page/function</a:t>
-            </a:r>
-          </a:p>
+              <a:rPr lang="en-AU" dirty="0" err="1"/>
+              <a:t>newrating.php</a:t>
+            </a:r>
+            <a:endParaRPr lang="en-AU" dirty="0"/>
+          </a:p>
+        </p:txBody>
+      </p:sp>
+      <p:sp>
+        <p:nvSpPr>
+          <p:cNvPr id="35" name="Rectangle 34">
+            <a:extLst>
+              <a:ext uri="{FF2B5EF4-FFF2-40B4-BE49-F238E27FC236}">
+                <a16:creationId xmlns:a16="http://schemas.microsoft.com/office/drawing/2014/main" id="{1AF8E2F7-9365-4EBA-B147-72FC256DB82D}"/>
+              </a:ext>
+            </a:extLst>
+          </p:cNvPr>
+          <p:cNvSpPr/>
+          <p:nvPr/>
+        </p:nvSpPr>
+        <p:spPr>
+          <a:xfrm>
+            <a:off x="2209801" y="-1160119"/>
+            <a:ext cx="1818528" cy="571502"/>
+          </a:xfrm>
+          <a:prstGeom prst="rect">
+            <a:avLst/>
+          </a:prstGeom>
+        </p:spPr>
+        <p:style>
+          <a:lnRef idx="2">
+            <a:schemeClr val="dk1"/>
+          </a:lnRef>
+          <a:fillRef idx="1">
+            <a:schemeClr val="lt1"/>
+          </a:fillRef>
+          <a:effectRef idx="0">
+            <a:schemeClr val="dk1"/>
+          </a:effectRef>
+          <a:fontRef idx="minor">
+            <a:schemeClr val="dk1"/>
+          </a:fontRef>
+        </p:style>
+        <p:txBody>
+          <a:bodyPr rtlCol="0" anchor="ctr"/>
+          <a:lstStyle/>
           <a:p>
             <a:pPr algn="ctr"/>
             <a:r>
-              <a:rPr lang="en-AU" dirty="0"/>
-              <a:t>Need to be added</a:t>
-            </a:r>
-          </a:p>
-        </p:txBody>
-      </p:sp>
+              <a:rPr lang="en-AU" dirty="0" err="1"/>
+              <a:t>newratingresult.php</a:t>
+            </a:r>
+            <a:endParaRPr lang="en-AU" dirty="0"/>
+          </a:p>
+        </p:txBody>
+      </p:sp>
+      <p:sp>
+        <p:nvSpPr>
+          <p:cNvPr id="36" name="Rectangle 35">
+            <a:extLst>
+              <a:ext uri="{FF2B5EF4-FFF2-40B4-BE49-F238E27FC236}">
+                <a16:creationId xmlns:a16="http://schemas.microsoft.com/office/drawing/2014/main" id="{4444AE78-6498-4A84-AD9B-712E79754110}"/>
+              </a:ext>
+            </a:extLst>
+          </p:cNvPr>
+          <p:cNvSpPr/>
+          <p:nvPr/>
+        </p:nvSpPr>
+        <p:spPr>
+          <a:xfrm>
+            <a:off x="-10355" y="140532"/>
+            <a:ext cx="2038387" cy="571502"/>
+          </a:xfrm>
+          <a:prstGeom prst="rect">
+            <a:avLst/>
+          </a:prstGeom>
+        </p:spPr>
+        <p:style>
+          <a:lnRef idx="2">
+            <a:schemeClr val="dk1"/>
+          </a:lnRef>
+          <a:fillRef idx="1">
+            <a:schemeClr val="lt1"/>
+          </a:fillRef>
+          <a:effectRef idx="0">
+            <a:schemeClr val="dk1"/>
+          </a:effectRef>
+          <a:fontRef idx="minor">
+            <a:schemeClr val="dk1"/>
+          </a:fontRef>
+        </p:style>
+        <p:txBody>
+          <a:bodyPr rtlCol="0" anchor="ctr"/>
+          <a:lstStyle/>
+          <a:p>
+            <a:pPr algn="ctr"/>
+            <a:r>
+              <a:rPr lang="en-AU" dirty="0" err="1"/>
+              <a:t>newdiscussion.php</a:t>
+            </a:r>
+            <a:endParaRPr lang="en-AU" dirty="0"/>
+          </a:p>
+        </p:txBody>
+      </p:sp>
+      <p:sp>
+        <p:nvSpPr>
+          <p:cNvPr id="37" name="Rectangle 36">
+            <a:extLst>
+              <a:ext uri="{FF2B5EF4-FFF2-40B4-BE49-F238E27FC236}">
+                <a16:creationId xmlns:a16="http://schemas.microsoft.com/office/drawing/2014/main" id="{ACFCA867-C63C-4637-BD63-235D35198A16}"/>
+              </a:ext>
+            </a:extLst>
+          </p:cNvPr>
+          <p:cNvSpPr/>
+          <p:nvPr/>
+        </p:nvSpPr>
+        <p:spPr>
+          <a:xfrm>
+            <a:off x="143460" y="-1181411"/>
+            <a:ext cx="1818528" cy="571502"/>
+          </a:xfrm>
+          <a:prstGeom prst="rect">
+            <a:avLst/>
+          </a:prstGeom>
+        </p:spPr>
+        <p:style>
+          <a:lnRef idx="2">
+            <a:schemeClr val="dk1"/>
+          </a:lnRef>
+          <a:fillRef idx="1">
+            <a:schemeClr val="lt1"/>
+          </a:fillRef>
+          <a:effectRef idx="0">
+            <a:schemeClr val="dk1"/>
+          </a:effectRef>
+          <a:fontRef idx="minor">
+            <a:schemeClr val="dk1"/>
+          </a:fontRef>
+        </p:style>
+        <p:txBody>
+          <a:bodyPr rtlCol="0" anchor="ctr"/>
+          <a:lstStyle/>
+          <a:p>
+            <a:pPr algn="ctr"/>
+            <a:r>
+              <a:rPr lang="en-AU" dirty="0" err="1"/>
+              <a:t>newdiscussionresult.php</a:t>
+            </a:r>
+            <a:endParaRPr lang="en-AU" dirty="0"/>
+          </a:p>
+        </p:txBody>
+      </p:sp>
+      <p:cxnSp>
+        <p:nvCxnSpPr>
+          <p:cNvPr id="10" name="Connector: Elbow 9">
+            <a:extLst>
+              <a:ext uri="{FF2B5EF4-FFF2-40B4-BE49-F238E27FC236}">
+                <a16:creationId xmlns:a16="http://schemas.microsoft.com/office/drawing/2014/main" id="{35B8F8AB-8C35-405C-A30D-3025A8F24090}"/>
+              </a:ext>
+            </a:extLst>
+          </p:cNvPr>
+          <p:cNvCxnSpPr>
+            <a:cxnSpLocks/>
+            <a:endCxn id="23" idx="2"/>
+          </p:cNvCxnSpPr>
+          <p:nvPr/>
+        </p:nvCxnSpPr>
+        <p:spPr>
+          <a:xfrm rot="16200000" flipV="1">
+            <a:off x="9627530" y="-188950"/>
+            <a:ext cx="1091672" cy="138794"/>
+          </a:xfrm>
+          <a:prstGeom prst="bentConnector3">
+            <a:avLst/>
+          </a:prstGeom>
+        </p:spPr>
+        <p:style>
+          <a:lnRef idx="1">
+            <a:schemeClr val="accent1"/>
+          </a:lnRef>
+          <a:fillRef idx="0">
+            <a:schemeClr val="accent1"/>
+          </a:fillRef>
+          <a:effectRef idx="0">
+            <a:schemeClr val="accent1"/>
+          </a:effectRef>
+          <a:fontRef idx="minor">
+            <a:schemeClr val="tx1"/>
+          </a:fontRef>
+        </p:style>
+      </p:cxnSp>
+      <p:cxnSp>
+        <p:nvCxnSpPr>
+          <p:cNvPr id="26" name="Connector: Elbow 25">
+            <a:extLst>
+              <a:ext uri="{FF2B5EF4-FFF2-40B4-BE49-F238E27FC236}">
+                <a16:creationId xmlns:a16="http://schemas.microsoft.com/office/drawing/2014/main" id="{0450263D-29C0-4057-9245-7487F40A6F8F}"/>
+              </a:ext>
+            </a:extLst>
+          </p:cNvPr>
+          <p:cNvCxnSpPr>
+            <a:stCxn id="36" idx="0"/>
+            <a:endCxn id="37" idx="2"/>
+          </p:cNvCxnSpPr>
+          <p:nvPr/>
+        </p:nvCxnSpPr>
+        <p:spPr>
+          <a:xfrm rot="5400000" flipH="1" flipV="1">
+            <a:off x="655561" y="-256630"/>
+            <a:ext cx="750441" cy="43885"/>
+          </a:xfrm>
+          <a:prstGeom prst="bentConnector3">
+            <a:avLst/>
+          </a:prstGeom>
+        </p:spPr>
+        <p:style>
+          <a:lnRef idx="1">
+            <a:schemeClr val="accent1"/>
+          </a:lnRef>
+          <a:fillRef idx="0">
+            <a:schemeClr val="accent1"/>
+          </a:fillRef>
+          <a:effectRef idx="0">
+            <a:schemeClr val="accent1"/>
+          </a:effectRef>
+          <a:fontRef idx="minor">
+            <a:schemeClr val="tx1"/>
+          </a:fontRef>
+        </p:style>
+      </p:cxnSp>
+      <p:cxnSp>
+        <p:nvCxnSpPr>
+          <p:cNvPr id="41" name="Connector: Elbow 40">
+            <a:extLst>
+              <a:ext uri="{FF2B5EF4-FFF2-40B4-BE49-F238E27FC236}">
+                <a16:creationId xmlns:a16="http://schemas.microsoft.com/office/drawing/2014/main" id="{F96B61B7-A9DE-487B-AA3D-BAB5240F33D0}"/>
+              </a:ext>
+            </a:extLst>
+          </p:cNvPr>
+          <p:cNvCxnSpPr>
+            <a:stCxn id="29" idx="0"/>
+            <a:endCxn id="35" idx="2"/>
+          </p:cNvCxnSpPr>
+          <p:nvPr/>
+        </p:nvCxnSpPr>
+        <p:spPr>
+          <a:xfrm rot="5400000" flipH="1" flipV="1">
+            <a:off x="2741242" y="-266979"/>
+            <a:ext cx="699461" cy="56186"/>
+          </a:xfrm>
+          <a:prstGeom prst="bentConnector3">
+            <a:avLst/>
+          </a:prstGeom>
+        </p:spPr>
+        <p:style>
+          <a:lnRef idx="1">
+            <a:schemeClr val="accent1"/>
+          </a:lnRef>
+          <a:fillRef idx="0">
+            <a:schemeClr val="accent1"/>
+          </a:fillRef>
+          <a:effectRef idx="0">
+            <a:schemeClr val="accent1"/>
+          </a:effectRef>
+          <a:fontRef idx="minor">
+            <a:schemeClr val="tx1"/>
+          </a:fontRef>
+        </p:style>
+      </p:cxnSp>
+      <p:cxnSp>
+        <p:nvCxnSpPr>
+          <p:cNvPr id="43" name="Connector: Elbow 42">
+            <a:extLst>
+              <a:ext uri="{FF2B5EF4-FFF2-40B4-BE49-F238E27FC236}">
+                <a16:creationId xmlns:a16="http://schemas.microsoft.com/office/drawing/2014/main" id="{7C6C8CAF-C337-47ED-9E2E-2E579B1417EA}"/>
+              </a:ext>
+            </a:extLst>
+          </p:cNvPr>
+          <p:cNvCxnSpPr>
+            <a:cxnSpLocks/>
+            <a:stCxn id="14" idx="2"/>
+          </p:cNvCxnSpPr>
+          <p:nvPr/>
+        </p:nvCxnSpPr>
+        <p:spPr>
+          <a:xfrm rot="5400000">
+            <a:off x="2724042" y="6141056"/>
+            <a:ext cx="499022" cy="2649103"/>
+          </a:xfrm>
+          <a:prstGeom prst="bentConnector2">
+            <a:avLst/>
+          </a:prstGeom>
+        </p:spPr>
+        <p:style>
+          <a:lnRef idx="1">
+            <a:schemeClr val="accent1"/>
+          </a:lnRef>
+          <a:fillRef idx="0">
+            <a:schemeClr val="accent1"/>
+          </a:fillRef>
+          <a:effectRef idx="0">
+            <a:schemeClr val="accent1"/>
+          </a:effectRef>
+          <a:fontRef idx="minor">
+            <a:schemeClr val="tx1"/>
+          </a:fontRef>
+        </p:style>
+      </p:cxnSp>
+      <p:cxnSp>
+        <p:nvCxnSpPr>
+          <p:cNvPr id="46" name="Connector: Elbow 45">
+            <a:extLst>
+              <a:ext uri="{FF2B5EF4-FFF2-40B4-BE49-F238E27FC236}">
+                <a16:creationId xmlns:a16="http://schemas.microsoft.com/office/drawing/2014/main" id="{ABD58902-E131-47F2-8745-0955E0597E9C}"/>
+              </a:ext>
+            </a:extLst>
+          </p:cNvPr>
+          <p:cNvCxnSpPr>
+            <a:cxnSpLocks/>
+            <a:stCxn id="12" idx="3"/>
+            <a:endCxn id="13" idx="3"/>
+          </p:cNvCxnSpPr>
+          <p:nvPr/>
+        </p:nvCxnSpPr>
+        <p:spPr>
+          <a:xfrm>
+            <a:off x="11581705" y="2609849"/>
+            <a:ext cx="35477" cy="2165069"/>
+          </a:xfrm>
+          <a:prstGeom prst="bentConnector3">
+            <a:avLst>
+              <a:gd name="adj1" fmla="val 744361"/>
+            </a:avLst>
+          </a:prstGeom>
+        </p:spPr>
+        <p:style>
+          <a:lnRef idx="1">
+            <a:schemeClr val="accent1"/>
+          </a:lnRef>
+          <a:fillRef idx="0">
+            <a:schemeClr val="accent1"/>
+          </a:fillRef>
+          <a:effectRef idx="0">
+            <a:schemeClr val="accent1"/>
+          </a:effectRef>
+          <a:fontRef idx="minor">
+            <a:schemeClr val="tx1"/>
+          </a:fontRef>
+        </p:style>
+      </p:cxnSp>
+      <p:cxnSp>
+        <p:nvCxnSpPr>
+          <p:cNvPr id="54" name="Connector: Elbow 53">
+            <a:extLst>
+              <a:ext uri="{FF2B5EF4-FFF2-40B4-BE49-F238E27FC236}">
+                <a16:creationId xmlns:a16="http://schemas.microsoft.com/office/drawing/2014/main" id="{3E4A9FF1-B622-462F-A3D2-4C460B2BB9FE}"/>
+              </a:ext>
+            </a:extLst>
+          </p:cNvPr>
+          <p:cNvCxnSpPr>
+            <a:stCxn id="31" idx="3"/>
+            <a:endCxn id="21" idx="1"/>
+          </p:cNvCxnSpPr>
+          <p:nvPr/>
+        </p:nvCxnSpPr>
+        <p:spPr>
+          <a:xfrm>
+            <a:off x="4056283" y="1329418"/>
+            <a:ext cx="1201010" cy="392229"/>
+          </a:xfrm>
+          <a:prstGeom prst="bentConnector3">
+            <a:avLst/>
+          </a:prstGeom>
+        </p:spPr>
+        <p:style>
+          <a:lnRef idx="1">
+            <a:schemeClr val="accent1"/>
+          </a:lnRef>
+          <a:fillRef idx="0">
+            <a:schemeClr val="accent1"/>
+          </a:fillRef>
+          <a:effectRef idx="0">
+            <a:schemeClr val="accent1"/>
+          </a:effectRef>
+          <a:fontRef idx="minor">
+            <a:schemeClr val="tx1"/>
+          </a:fontRef>
+        </p:style>
+      </p:cxnSp>
+      <p:cxnSp>
+        <p:nvCxnSpPr>
+          <p:cNvPr id="56" name="Connector: Elbow 55">
+            <a:extLst>
+              <a:ext uri="{FF2B5EF4-FFF2-40B4-BE49-F238E27FC236}">
+                <a16:creationId xmlns:a16="http://schemas.microsoft.com/office/drawing/2014/main" id="{D10B6759-D53B-4A29-8AC7-2936572334C5}"/>
+              </a:ext>
+            </a:extLst>
+          </p:cNvPr>
+          <p:cNvCxnSpPr>
+            <a:stCxn id="32" idx="3"/>
+            <a:endCxn id="21" idx="2"/>
+          </p:cNvCxnSpPr>
+          <p:nvPr/>
+        </p:nvCxnSpPr>
+        <p:spPr>
+          <a:xfrm flipV="1">
+            <a:off x="5718336" y="2007398"/>
+            <a:ext cx="362210" cy="3123568"/>
+          </a:xfrm>
+          <a:prstGeom prst="bentConnector2">
+            <a:avLst/>
+          </a:prstGeom>
+        </p:spPr>
+        <p:style>
+          <a:lnRef idx="1">
+            <a:schemeClr val="accent1"/>
+          </a:lnRef>
+          <a:fillRef idx="0">
+            <a:schemeClr val="accent1"/>
+          </a:fillRef>
+          <a:effectRef idx="0">
+            <a:schemeClr val="accent1"/>
+          </a:effectRef>
+          <a:fontRef idx="minor">
+            <a:schemeClr val="tx1"/>
+          </a:fontRef>
+        </p:style>
+      </p:cxnSp>
     </p:spTree>
     <p:extLst>
       <p:ext uri="{BB962C8B-B14F-4D97-AF65-F5344CB8AC3E}">

--- a/extra/Sitemap.pptx
+++ b/extra/Sitemap.pptx
@@ -261,7 +261,7 @@
           <a:p>
             <a:fld id="{2326C657-C1E0-4964-BB1E-A691970DFC48}" type="datetimeFigureOut">
               <a:rPr lang="en-AU" smtClean="0"/>
-              <a:t>13/09/2018</a:t>
+              <a:t>19/09/2018</a:t>
             </a:fld>
             <a:endParaRPr lang="en-AU"/>
           </a:p>
@@ -461,7 +461,7 @@
           <a:p>
             <a:fld id="{2326C657-C1E0-4964-BB1E-A691970DFC48}" type="datetimeFigureOut">
               <a:rPr lang="en-AU" smtClean="0"/>
-              <a:t>13/09/2018</a:t>
+              <a:t>19/09/2018</a:t>
             </a:fld>
             <a:endParaRPr lang="en-AU"/>
           </a:p>
@@ -671,7 +671,7 @@
           <a:p>
             <a:fld id="{2326C657-C1E0-4964-BB1E-A691970DFC48}" type="datetimeFigureOut">
               <a:rPr lang="en-AU" smtClean="0"/>
-              <a:t>13/09/2018</a:t>
+              <a:t>19/09/2018</a:t>
             </a:fld>
             <a:endParaRPr lang="en-AU"/>
           </a:p>
@@ -871,7 +871,7 @@
           <a:p>
             <a:fld id="{2326C657-C1E0-4964-BB1E-A691970DFC48}" type="datetimeFigureOut">
               <a:rPr lang="en-AU" smtClean="0"/>
-              <a:t>13/09/2018</a:t>
+              <a:t>19/09/2018</a:t>
             </a:fld>
             <a:endParaRPr lang="en-AU"/>
           </a:p>
@@ -1147,7 +1147,7 @@
           <a:p>
             <a:fld id="{2326C657-C1E0-4964-BB1E-A691970DFC48}" type="datetimeFigureOut">
               <a:rPr lang="en-AU" smtClean="0"/>
-              <a:t>13/09/2018</a:t>
+              <a:t>19/09/2018</a:t>
             </a:fld>
             <a:endParaRPr lang="en-AU"/>
           </a:p>
@@ -1415,7 +1415,7 @@
           <a:p>
             <a:fld id="{2326C657-C1E0-4964-BB1E-A691970DFC48}" type="datetimeFigureOut">
               <a:rPr lang="en-AU" smtClean="0"/>
-              <a:t>13/09/2018</a:t>
+              <a:t>19/09/2018</a:t>
             </a:fld>
             <a:endParaRPr lang="en-AU"/>
           </a:p>
@@ -1830,7 +1830,7 @@
           <a:p>
             <a:fld id="{2326C657-C1E0-4964-BB1E-A691970DFC48}" type="datetimeFigureOut">
               <a:rPr lang="en-AU" smtClean="0"/>
-              <a:t>13/09/2018</a:t>
+              <a:t>19/09/2018</a:t>
             </a:fld>
             <a:endParaRPr lang="en-AU"/>
           </a:p>
@@ -1972,7 +1972,7 @@
           <a:p>
             <a:fld id="{2326C657-C1E0-4964-BB1E-A691970DFC48}" type="datetimeFigureOut">
               <a:rPr lang="en-AU" smtClean="0"/>
-              <a:t>13/09/2018</a:t>
+              <a:t>19/09/2018</a:t>
             </a:fld>
             <a:endParaRPr lang="en-AU"/>
           </a:p>
@@ -2085,7 +2085,7 @@
           <a:p>
             <a:fld id="{2326C657-C1E0-4964-BB1E-A691970DFC48}" type="datetimeFigureOut">
               <a:rPr lang="en-AU" smtClean="0"/>
-              <a:t>13/09/2018</a:t>
+              <a:t>19/09/2018</a:t>
             </a:fld>
             <a:endParaRPr lang="en-AU"/>
           </a:p>
@@ -2398,7 +2398,7 @@
           <a:p>
             <a:fld id="{2326C657-C1E0-4964-BB1E-A691970DFC48}" type="datetimeFigureOut">
               <a:rPr lang="en-AU" smtClean="0"/>
-              <a:t>13/09/2018</a:t>
+              <a:t>19/09/2018</a:t>
             </a:fld>
             <a:endParaRPr lang="en-AU"/>
           </a:p>
@@ -2687,7 +2687,7 @@
           <a:p>
             <a:fld id="{2326C657-C1E0-4964-BB1E-A691970DFC48}" type="datetimeFigureOut">
               <a:rPr lang="en-AU" smtClean="0"/>
-              <a:t>13/09/2018</a:t>
+              <a:t>19/09/2018</a:t>
             </a:fld>
             <a:endParaRPr lang="en-AU"/>
           </a:p>
@@ -2930,7 +2930,7 @@
           <a:p>
             <a:fld id="{2326C657-C1E0-4964-BB1E-A691970DFC48}" type="datetimeFigureOut">
               <a:rPr lang="en-AU" smtClean="0"/>
-              <a:t>13/09/2018</a:t>
+              <a:t>19/09/2018</a:t>
             </a:fld>
             <a:endParaRPr lang="en-AU"/>
           </a:p>
@@ -3563,8 +3563,8 @@
         </p:nvSpPr>
         <p:spPr>
           <a:xfrm>
-            <a:off x="0" y="-2409143"/>
-            <a:ext cx="12192000" cy="1877785"/>
+            <a:off x="-1" y="-2409143"/>
+            <a:ext cx="15167429" cy="1877785"/>
           </a:xfrm>
           <a:prstGeom prst="rect">
             <a:avLst/>
@@ -3662,8 +3662,8 @@
         </p:nvSpPr>
         <p:spPr>
           <a:xfrm>
-            <a:off x="8765027" y="0"/>
-            <a:ext cx="3426974" cy="4226379"/>
+            <a:off x="8765026" y="0"/>
+            <a:ext cx="6286287" cy="4226379"/>
           </a:xfrm>
           <a:prstGeom prst="rect">
             <a:avLst/>
@@ -3766,8 +3766,8 @@
         </p:nvSpPr>
         <p:spPr>
           <a:xfrm>
-            <a:off x="8903819" y="2927859"/>
-            <a:ext cx="2677886" cy="571502"/>
+            <a:off x="8145683" y="2341680"/>
+            <a:ext cx="3434710" cy="1070313"/>
           </a:xfrm>
           <a:prstGeom prst="rect">
             <a:avLst/>
@@ -3802,8 +3802,13 @@
             <a:pPr algn="ctr"/>
             <a:r>
               <a:rPr lang="en-AU" dirty="0"/>
-              <a:t>Admin Only</a:t>
-            </a:r>
+              <a:t>Admin can edit anyone, user can edit their own </a:t>
+            </a:r>
+            <a:r>
+              <a:rPr lang="en-AU" dirty="0" err="1"/>
+              <a:t>progile</a:t>
+            </a:r>
+            <a:endParaRPr lang="en-AU" dirty="0"/>
           </a:p>
         </p:txBody>
       </p:sp>
@@ -3924,8 +3929,8 @@
         </p:nvSpPr>
         <p:spPr>
           <a:xfrm>
-            <a:off x="8903819" y="2324098"/>
-            <a:ext cx="2677886" cy="571502"/>
+            <a:off x="8865719" y="1329418"/>
+            <a:ext cx="2677886" cy="632748"/>
           </a:xfrm>
           <a:prstGeom prst="rect">
             <a:avLst/>
@@ -4420,9 +4425,9 @@
           <p:nvPr/>
         </p:nvCxnSpPr>
         <p:spPr>
-          <a:xfrm rot="16200000" flipV="1">
-            <a:off x="5757730" y="-193087"/>
-            <a:ext cx="806477" cy="129935"/>
+          <a:xfrm rot="5400000" flipH="1" flipV="1">
+            <a:off x="6501586" y="-807008"/>
+            <a:ext cx="806477" cy="1357779"/>
           </a:xfrm>
           <a:prstGeom prst="bentConnector3">
             <a:avLst/>
@@ -4461,8 +4466,8 @@
         </p:nvCxnSpPr>
         <p:spPr>
           <a:xfrm rot="16200000" flipH="1">
-            <a:off x="7369890" y="718053"/>
-            <a:ext cx="105792" cy="2684481"/>
+            <a:off x="7369890" y="718054"/>
+            <a:ext cx="105792" cy="2684480"/>
           </a:xfrm>
           <a:prstGeom prst="bentConnector2">
             <a:avLst/>
@@ -4552,8 +4557,8 @@
         </p:nvSpPr>
         <p:spPr>
           <a:xfrm>
-            <a:off x="726256" y="1818606"/>
-            <a:ext cx="2868404" cy="571502"/>
+            <a:off x="1068996" y="1589427"/>
+            <a:ext cx="2868404" cy="1047523"/>
           </a:xfrm>
           <a:prstGeom prst="rect">
             <a:avLst/>
@@ -4581,6 +4586,18 @@
             <a:r>
               <a:rPr lang="en-AU" dirty="0" err="1"/>
               <a:t>Userprofile</a:t>
+            </a:r>
+            <a:endParaRPr lang="en-AU" dirty="0"/>
+          </a:p>
+          <a:p>
+            <a:pPr algn="ctr"/>
+            <a:r>
+              <a:rPr lang="en-AU" dirty="0"/>
+              <a:t>Only admin can change </a:t>
+            </a:r>
+            <a:r>
+              <a:rPr lang="en-AU" dirty="0" err="1"/>
+              <a:t>accesslevel</a:t>
             </a:r>
             <a:endParaRPr lang="en-AU" dirty="0"/>
           </a:p>
@@ -4952,12 +4969,12 @@
         </p:nvCxnSpPr>
         <p:spPr>
           <a:xfrm>
-            <a:off x="11581705" y="2609849"/>
-            <a:ext cx="35477" cy="2165069"/>
+            <a:off x="11543605" y="1645792"/>
+            <a:ext cx="73577" cy="3129126"/>
           </a:xfrm>
           <a:prstGeom prst="bentConnector3">
             <a:avLst>
-              <a:gd name="adj1" fmla="val 744361"/>
+              <a:gd name="adj1" fmla="val 410695"/>
             </a:avLst>
           </a:prstGeom>
         </p:spPr>
@@ -5036,6 +5053,244 @@
             <a:ext cx="362210" cy="3123568"/>
           </a:xfrm>
           <a:prstGeom prst="bentConnector2">
+            <a:avLst/>
+          </a:prstGeom>
+        </p:spPr>
+        <p:style>
+          <a:lnRef idx="1">
+            <a:schemeClr val="accent1"/>
+          </a:lnRef>
+          <a:fillRef idx="0">
+            <a:schemeClr val="accent1"/>
+          </a:fillRef>
+          <a:effectRef idx="0">
+            <a:schemeClr val="accent1"/>
+          </a:effectRef>
+          <a:fontRef idx="minor">
+            <a:schemeClr val="tx1"/>
+          </a:fontRef>
+        </p:style>
+      </p:cxnSp>
+      <p:sp>
+        <p:nvSpPr>
+          <p:cNvPr id="38" name="Rectangle 37">
+            <a:extLst>
+              <a:ext uri="{FF2B5EF4-FFF2-40B4-BE49-F238E27FC236}">
+                <a16:creationId xmlns:a16="http://schemas.microsoft.com/office/drawing/2014/main" id="{D1E550BB-3A32-4CB7-92F1-203E5F03E2ED}"/>
+              </a:ext>
+            </a:extLst>
+          </p:cNvPr>
+          <p:cNvSpPr/>
+          <p:nvPr/>
+        </p:nvSpPr>
+        <p:spPr>
+          <a:xfrm>
+            <a:off x="4560498" y="-2140257"/>
+            <a:ext cx="2677886" cy="571502"/>
+          </a:xfrm>
+          <a:prstGeom prst="rect">
+            <a:avLst/>
+          </a:prstGeom>
+        </p:spPr>
+        <p:style>
+          <a:lnRef idx="2">
+            <a:schemeClr val="dk1"/>
+          </a:lnRef>
+          <a:fillRef idx="1">
+            <a:schemeClr val="lt1"/>
+          </a:fillRef>
+          <a:effectRef idx="0">
+            <a:schemeClr val="dk1"/>
+          </a:effectRef>
+          <a:fontRef idx="minor">
+            <a:schemeClr val="dk1"/>
+          </a:fontRef>
+        </p:style>
+        <p:txBody>
+          <a:bodyPr rtlCol="0" anchor="ctr"/>
+          <a:lstStyle/>
+          <a:p>
+            <a:pPr algn="ctr"/>
+            <a:r>
+              <a:rPr lang="en-AU" dirty="0"/>
+              <a:t>Validation.js</a:t>
+            </a:r>
+          </a:p>
+        </p:txBody>
+      </p:sp>
+      <p:sp>
+        <p:nvSpPr>
+          <p:cNvPr id="42" name="Rectangle 41">
+            <a:extLst>
+              <a:ext uri="{FF2B5EF4-FFF2-40B4-BE49-F238E27FC236}">
+                <a16:creationId xmlns:a16="http://schemas.microsoft.com/office/drawing/2014/main" id="{174374D7-619A-48E3-8A77-FDC3871AEC4C}"/>
+              </a:ext>
+            </a:extLst>
+          </p:cNvPr>
+          <p:cNvSpPr/>
+          <p:nvPr/>
+        </p:nvSpPr>
+        <p:spPr>
+          <a:xfrm>
+            <a:off x="12466326" y="452268"/>
+            <a:ext cx="2432432" cy="571502"/>
+          </a:xfrm>
+          <a:prstGeom prst="rect">
+            <a:avLst/>
+          </a:prstGeom>
+        </p:spPr>
+        <p:style>
+          <a:lnRef idx="2">
+            <a:schemeClr val="dk1"/>
+          </a:lnRef>
+          <a:fillRef idx="1">
+            <a:schemeClr val="lt1"/>
+          </a:fillRef>
+          <a:effectRef idx="0">
+            <a:schemeClr val="dk1"/>
+          </a:effectRef>
+          <a:fontRef idx="minor">
+            <a:schemeClr val="dk1"/>
+          </a:fontRef>
+        </p:style>
+        <p:txBody>
+          <a:bodyPr rtlCol="0" anchor="ctr"/>
+          <a:lstStyle/>
+          <a:p>
+            <a:pPr algn="ctr"/>
+            <a:r>
+              <a:rPr lang="en-AU" dirty="0" err="1"/>
+              <a:t>accesslevelchange.php</a:t>
+            </a:r>
+            <a:endParaRPr lang="en-AU" dirty="0"/>
+          </a:p>
+          <a:p>
+            <a:pPr algn="ctr"/>
+            <a:r>
+              <a:rPr lang="en-AU" dirty="0"/>
+              <a:t>Admin only</a:t>
+            </a:r>
+          </a:p>
+        </p:txBody>
+      </p:sp>
+      <p:sp>
+        <p:nvSpPr>
+          <p:cNvPr id="44" name="Rectangle 43">
+            <a:extLst>
+              <a:ext uri="{FF2B5EF4-FFF2-40B4-BE49-F238E27FC236}">
+                <a16:creationId xmlns:a16="http://schemas.microsoft.com/office/drawing/2014/main" id="{BCBF4FB5-A1A0-4294-884D-07656BB47627}"/>
+              </a:ext>
+            </a:extLst>
+          </p:cNvPr>
+          <p:cNvSpPr/>
+          <p:nvPr/>
+        </p:nvSpPr>
+        <p:spPr>
+          <a:xfrm>
+            <a:off x="11711582" y="-1440968"/>
+            <a:ext cx="3187176" cy="571502"/>
+          </a:xfrm>
+          <a:prstGeom prst="rect">
+            <a:avLst/>
+          </a:prstGeom>
+        </p:spPr>
+        <p:style>
+          <a:lnRef idx="2">
+            <a:schemeClr val="dk1"/>
+          </a:lnRef>
+          <a:fillRef idx="1">
+            <a:schemeClr val="lt1"/>
+          </a:fillRef>
+          <a:effectRef idx="0">
+            <a:schemeClr val="dk1"/>
+          </a:effectRef>
+          <a:fontRef idx="minor">
+            <a:schemeClr val="dk1"/>
+          </a:fontRef>
+        </p:style>
+        <p:txBody>
+          <a:bodyPr rtlCol="0" anchor="ctr"/>
+          <a:lstStyle/>
+          <a:p>
+            <a:pPr algn="ctr"/>
+            <a:r>
+              <a:rPr lang="en-AU" dirty="0" err="1"/>
+              <a:t>accesslevelchangeresult.php</a:t>
+            </a:r>
+            <a:endParaRPr lang="en-AU" dirty="0"/>
+          </a:p>
+          <a:p>
+            <a:pPr algn="ctr"/>
+            <a:r>
+              <a:rPr lang="en-AU" dirty="0"/>
+              <a:t>Admin only</a:t>
+            </a:r>
+          </a:p>
+        </p:txBody>
+      </p:sp>
+      <p:cxnSp>
+        <p:nvCxnSpPr>
+          <p:cNvPr id="34" name="Connector: Elbow 33">
+            <a:extLst>
+              <a:ext uri="{FF2B5EF4-FFF2-40B4-BE49-F238E27FC236}">
+                <a16:creationId xmlns:a16="http://schemas.microsoft.com/office/drawing/2014/main" id="{71EB402B-C507-4199-90EA-0CFB3088C272}"/>
+              </a:ext>
+            </a:extLst>
+          </p:cNvPr>
+          <p:cNvCxnSpPr>
+            <a:cxnSpLocks/>
+            <a:stCxn id="42" idx="0"/>
+            <a:endCxn id="44" idx="2"/>
+          </p:cNvCxnSpPr>
+          <p:nvPr/>
+        </p:nvCxnSpPr>
+        <p:spPr>
+          <a:xfrm rot="16200000" flipV="1">
+            <a:off x="12832989" y="-397285"/>
+            <a:ext cx="1321734" cy="377372"/>
+          </a:xfrm>
+          <a:prstGeom prst="bentConnector3">
+            <a:avLst>
+              <a:gd name="adj1" fmla="val 50000"/>
+            </a:avLst>
+          </a:prstGeom>
+        </p:spPr>
+        <p:style>
+          <a:lnRef idx="1">
+            <a:schemeClr val="accent1"/>
+          </a:lnRef>
+          <a:fillRef idx="0">
+            <a:schemeClr val="accent1"/>
+          </a:fillRef>
+          <a:effectRef idx="0">
+            <a:schemeClr val="accent1"/>
+          </a:effectRef>
+          <a:fontRef idx="minor">
+            <a:schemeClr val="tx1"/>
+          </a:fontRef>
+        </p:style>
+      </p:cxnSp>
+      <p:cxnSp>
+        <p:nvCxnSpPr>
+          <p:cNvPr id="51" name="Connector: Elbow 50">
+            <a:extLst>
+              <a:ext uri="{FF2B5EF4-FFF2-40B4-BE49-F238E27FC236}">
+                <a16:creationId xmlns:a16="http://schemas.microsoft.com/office/drawing/2014/main" id="{8535D71F-07DF-4912-AF3D-16D92044D578}"/>
+              </a:ext>
+            </a:extLst>
+          </p:cNvPr>
+          <p:cNvCxnSpPr>
+            <a:stCxn id="42" idx="1"/>
+            <a:endCxn id="33" idx="3"/>
+          </p:cNvCxnSpPr>
+          <p:nvPr/>
+        </p:nvCxnSpPr>
+        <p:spPr>
+          <a:xfrm rot="10800000" flipV="1">
+            <a:off x="3937400" y="738019"/>
+            <a:ext cx="8528926" cy="1375170"/>
+          </a:xfrm>
+          <a:prstGeom prst="bentConnector3">
             <a:avLst/>
           </a:prstGeom>
         </p:spPr>

--- a/extra/Sitemap.pptx
+++ b/extra/Sitemap.pptx
@@ -261,7 +261,7 @@
           <a:p>
             <a:fld id="{2326C657-C1E0-4964-BB1E-A691970DFC48}" type="datetimeFigureOut">
               <a:rPr lang="en-AU" smtClean="0"/>
-              <a:t>19/09/2018</a:t>
+              <a:t>26/09/2018</a:t>
             </a:fld>
             <a:endParaRPr lang="en-AU"/>
           </a:p>
@@ -461,7 +461,7 @@
           <a:p>
             <a:fld id="{2326C657-C1E0-4964-BB1E-A691970DFC48}" type="datetimeFigureOut">
               <a:rPr lang="en-AU" smtClean="0"/>
-              <a:t>19/09/2018</a:t>
+              <a:t>26/09/2018</a:t>
             </a:fld>
             <a:endParaRPr lang="en-AU"/>
           </a:p>
@@ -671,7 +671,7 @@
           <a:p>
             <a:fld id="{2326C657-C1E0-4964-BB1E-A691970DFC48}" type="datetimeFigureOut">
               <a:rPr lang="en-AU" smtClean="0"/>
-              <a:t>19/09/2018</a:t>
+              <a:t>26/09/2018</a:t>
             </a:fld>
             <a:endParaRPr lang="en-AU"/>
           </a:p>
@@ -871,7 +871,7 @@
           <a:p>
             <a:fld id="{2326C657-C1E0-4964-BB1E-A691970DFC48}" type="datetimeFigureOut">
               <a:rPr lang="en-AU" smtClean="0"/>
-              <a:t>19/09/2018</a:t>
+              <a:t>26/09/2018</a:t>
             </a:fld>
             <a:endParaRPr lang="en-AU"/>
           </a:p>
@@ -1147,7 +1147,7 @@
           <a:p>
             <a:fld id="{2326C657-C1E0-4964-BB1E-A691970DFC48}" type="datetimeFigureOut">
               <a:rPr lang="en-AU" smtClean="0"/>
-              <a:t>19/09/2018</a:t>
+              <a:t>26/09/2018</a:t>
             </a:fld>
             <a:endParaRPr lang="en-AU"/>
           </a:p>
@@ -1415,7 +1415,7 @@
           <a:p>
             <a:fld id="{2326C657-C1E0-4964-BB1E-A691970DFC48}" type="datetimeFigureOut">
               <a:rPr lang="en-AU" smtClean="0"/>
-              <a:t>19/09/2018</a:t>
+              <a:t>26/09/2018</a:t>
             </a:fld>
             <a:endParaRPr lang="en-AU"/>
           </a:p>
@@ -1830,7 +1830,7 @@
           <a:p>
             <a:fld id="{2326C657-C1E0-4964-BB1E-A691970DFC48}" type="datetimeFigureOut">
               <a:rPr lang="en-AU" smtClean="0"/>
-              <a:t>19/09/2018</a:t>
+              <a:t>26/09/2018</a:t>
             </a:fld>
             <a:endParaRPr lang="en-AU"/>
           </a:p>
@@ -1972,7 +1972,7 @@
           <a:p>
             <a:fld id="{2326C657-C1E0-4964-BB1E-A691970DFC48}" type="datetimeFigureOut">
               <a:rPr lang="en-AU" smtClean="0"/>
-              <a:t>19/09/2018</a:t>
+              <a:t>26/09/2018</a:t>
             </a:fld>
             <a:endParaRPr lang="en-AU"/>
           </a:p>
@@ -2085,7 +2085,7 @@
           <a:p>
             <a:fld id="{2326C657-C1E0-4964-BB1E-A691970DFC48}" type="datetimeFigureOut">
               <a:rPr lang="en-AU" smtClean="0"/>
-              <a:t>19/09/2018</a:t>
+              <a:t>26/09/2018</a:t>
             </a:fld>
             <a:endParaRPr lang="en-AU"/>
           </a:p>
@@ -2398,7 +2398,7 @@
           <a:p>
             <a:fld id="{2326C657-C1E0-4964-BB1E-A691970DFC48}" type="datetimeFigureOut">
               <a:rPr lang="en-AU" smtClean="0"/>
-              <a:t>19/09/2018</a:t>
+              <a:t>26/09/2018</a:t>
             </a:fld>
             <a:endParaRPr lang="en-AU"/>
           </a:p>
@@ -2687,7 +2687,7 @@
           <a:p>
             <a:fld id="{2326C657-C1E0-4964-BB1E-A691970DFC48}" type="datetimeFigureOut">
               <a:rPr lang="en-AU" smtClean="0"/>
-              <a:t>19/09/2018</a:t>
+              <a:t>26/09/2018</a:t>
             </a:fld>
             <a:endParaRPr lang="en-AU"/>
           </a:p>
@@ -2930,7 +2930,7 @@
           <a:p>
             <a:fld id="{2326C657-C1E0-4964-BB1E-A691970DFC48}" type="datetimeFigureOut">
               <a:rPr lang="en-AU" smtClean="0"/>
-              <a:t>19/09/2018</a:t>
+              <a:t>26/09/2018</a:t>
             </a:fld>
             <a:endParaRPr lang="en-AU"/>
           </a:p>
@@ -3747,7 +3747,7 @@
             <a:pPr algn="ctr"/>
             <a:r>
               <a:rPr lang="en-AU" dirty="0"/>
-              <a:t>Admin, Editor</a:t>
+              <a:t>Admin</a:t>
             </a:r>
           </a:p>
         </p:txBody>
@@ -3965,7 +3965,7 @@
             <a:pPr algn="ctr"/>
             <a:r>
               <a:rPr lang="en-AU" dirty="0"/>
-              <a:t>Admin, Editor</a:t>
+              <a:t>Admin</a:t>
             </a:r>
           </a:p>
         </p:txBody>

--- a/extra/Sitemap.pptx
+++ b/extra/Sitemap.pptx
@@ -5291,6 +5291,365 @@
             <a:ext cx="8528926" cy="1375170"/>
           </a:xfrm>
           <a:prstGeom prst="bentConnector3">
+            <a:avLst/>
+          </a:prstGeom>
+        </p:spPr>
+        <p:style>
+          <a:lnRef idx="1">
+            <a:schemeClr val="accent1"/>
+          </a:lnRef>
+          <a:fillRef idx="0">
+            <a:schemeClr val="accent1"/>
+          </a:fillRef>
+          <a:effectRef idx="0">
+            <a:schemeClr val="accent1"/>
+          </a:effectRef>
+          <a:fontRef idx="minor">
+            <a:schemeClr val="tx1"/>
+          </a:fontRef>
+        </p:style>
+      </p:cxnSp>
+      <p:sp>
+        <p:nvSpPr>
+          <p:cNvPr id="45" name="Rectangle 44">
+            <a:extLst>
+              <a:ext uri="{FF2B5EF4-FFF2-40B4-BE49-F238E27FC236}">
+                <a16:creationId xmlns:a16="http://schemas.microsoft.com/office/drawing/2014/main" id="{0037AEDB-0765-4770-8B56-E3C7C0054B87}"/>
+              </a:ext>
+            </a:extLst>
+          </p:cNvPr>
+          <p:cNvSpPr/>
+          <p:nvPr/>
+        </p:nvSpPr>
+        <p:spPr>
+          <a:xfrm>
+            <a:off x="6858167" y="7322849"/>
+            <a:ext cx="6286287" cy="4226379"/>
+          </a:xfrm>
+          <a:prstGeom prst="rect">
+            <a:avLst/>
+          </a:prstGeom>
+        </p:spPr>
+        <p:style>
+          <a:lnRef idx="2">
+            <a:schemeClr val="accent4">
+              <a:shade val="50000"/>
+            </a:schemeClr>
+          </a:lnRef>
+          <a:fillRef idx="1">
+            <a:schemeClr val="accent4"/>
+          </a:fillRef>
+          <a:effectRef idx="0">
+            <a:schemeClr val="accent4"/>
+          </a:effectRef>
+          <a:fontRef idx="minor">
+            <a:schemeClr val="lt1"/>
+          </a:fontRef>
+        </p:style>
+        <p:txBody>
+          <a:bodyPr rtlCol="0" anchor="ctr"/>
+          <a:lstStyle/>
+          <a:p>
+            <a:pPr algn="ctr"/>
+            <a:r>
+              <a:rPr lang="en-AU" dirty="0"/>
+              <a:t>Moderator area</a:t>
+            </a:r>
+          </a:p>
+        </p:txBody>
+      </p:sp>
+      <p:sp>
+        <p:nvSpPr>
+          <p:cNvPr id="49" name="Rectangle 48">
+            <a:extLst>
+              <a:ext uri="{FF2B5EF4-FFF2-40B4-BE49-F238E27FC236}">
+                <a16:creationId xmlns:a16="http://schemas.microsoft.com/office/drawing/2014/main" id="{F3778118-90B1-47C6-838F-97DAA5703D5F}"/>
+              </a:ext>
+            </a:extLst>
+          </p:cNvPr>
+          <p:cNvSpPr/>
+          <p:nvPr/>
+        </p:nvSpPr>
+        <p:spPr>
+          <a:xfrm>
+            <a:off x="7321931" y="9959760"/>
+            <a:ext cx="5702870" cy="2221771"/>
+          </a:xfrm>
+          <a:prstGeom prst="rect">
+            <a:avLst/>
+          </a:prstGeom>
+        </p:spPr>
+        <p:style>
+          <a:lnRef idx="2">
+            <a:schemeClr val="accent6">
+              <a:shade val="50000"/>
+            </a:schemeClr>
+          </a:lnRef>
+          <a:fillRef idx="1">
+            <a:schemeClr val="accent6"/>
+          </a:fillRef>
+          <a:effectRef idx="0">
+            <a:schemeClr val="accent6"/>
+          </a:effectRef>
+          <a:fontRef idx="minor">
+            <a:schemeClr val="lt1"/>
+          </a:fontRef>
+        </p:style>
+        <p:txBody>
+          <a:bodyPr rtlCol="0" anchor="ctr"/>
+          <a:lstStyle/>
+          <a:p>
+            <a:pPr algn="ctr"/>
+            <a:r>
+              <a:rPr lang="en-AU" dirty="0"/>
+              <a:t>Functions</a:t>
+            </a:r>
+          </a:p>
+        </p:txBody>
+      </p:sp>
+      <p:sp>
+        <p:nvSpPr>
+          <p:cNvPr id="50" name="Rectangle 49">
+            <a:extLst>
+              <a:ext uri="{FF2B5EF4-FFF2-40B4-BE49-F238E27FC236}">
+                <a16:creationId xmlns:a16="http://schemas.microsoft.com/office/drawing/2014/main" id="{9E912DB8-8B8B-4D98-8751-0848F4A12A5B}"/>
+              </a:ext>
+            </a:extLst>
+          </p:cNvPr>
+          <p:cNvSpPr/>
+          <p:nvPr/>
+        </p:nvSpPr>
+        <p:spPr>
+          <a:xfrm>
+            <a:off x="7600353" y="10270328"/>
+            <a:ext cx="2677886" cy="571502"/>
+          </a:xfrm>
+          <a:prstGeom prst="rect">
+            <a:avLst/>
+          </a:prstGeom>
+        </p:spPr>
+        <p:style>
+          <a:lnRef idx="2">
+            <a:schemeClr val="dk1"/>
+          </a:lnRef>
+          <a:fillRef idx="1">
+            <a:schemeClr val="lt1"/>
+          </a:fillRef>
+          <a:effectRef idx="0">
+            <a:schemeClr val="dk1"/>
+          </a:effectRef>
+          <a:fontRef idx="minor">
+            <a:schemeClr val="dk1"/>
+          </a:fontRef>
+        </p:style>
+        <p:txBody>
+          <a:bodyPr rtlCol="0" anchor="ctr"/>
+          <a:lstStyle/>
+          <a:p>
+            <a:pPr algn="ctr"/>
+            <a:r>
+              <a:rPr lang="en-AU" dirty="0" err="1"/>
+              <a:t>deletediscussion.php</a:t>
+            </a:r>
+            <a:endParaRPr lang="en-AU" dirty="0"/>
+          </a:p>
+        </p:txBody>
+      </p:sp>
+      <p:cxnSp>
+        <p:nvCxnSpPr>
+          <p:cNvPr id="11" name="Connector: Elbow 10">
+            <a:extLst>
+              <a:ext uri="{FF2B5EF4-FFF2-40B4-BE49-F238E27FC236}">
+                <a16:creationId xmlns:a16="http://schemas.microsoft.com/office/drawing/2014/main" id="{A3C30306-8B7C-4479-A997-38C24EE0265A}"/>
+              </a:ext>
+            </a:extLst>
+          </p:cNvPr>
+          <p:cNvCxnSpPr>
+            <a:stCxn id="28" idx="3"/>
+            <a:endCxn id="50" idx="0"/>
+          </p:cNvCxnSpPr>
+          <p:nvPr/>
+        </p:nvCxnSpPr>
+        <p:spPr>
+          <a:xfrm>
+            <a:off x="2936138" y="6125007"/>
+            <a:ext cx="6003158" cy="4145321"/>
+          </a:xfrm>
+          <a:prstGeom prst="bentConnector2">
+            <a:avLst/>
+          </a:prstGeom>
+        </p:spPr>
+        <p:style>
+          <a:lnRef idx="1">
+            <a:schemeClr val="accent1"/>
+          </a:lnRef>
+          <a:fillRef idx="0">
+            <a:schemeClr val="accent1"/>
+          </a:fillRef>
+          <a:effectRef idx="0">
+            <a:schemeClr val="accent1"/>
+          </a:effectRef>
+          <a:fontRef idx="minor">
+            <a:schemeClr val="tx1"/>
+          </a:fontRef>
+        </p:style>
+      </p:cxnSp>
+      <p:sp>
+        <p:nvSpPr>
+          <p:cNvPr id="52" name="Rectangle 51">
+            <a:extLst>
+              <a:ext uri="{FF2B5EF4-FFF2-40B4-BE49-F238E27FC236}">
+                <a16:creationId xmlns:a16="http://schemas.microsoft.com/office/drawing/2014/main" id="{4EFDCA0D-60E1-4408-96B1-ADBF3AEBD777}"/>
+              </a:ext>
+            </a:extLst>
+          </p:cNvPr>
+          <p:cNvSpPr/>
+          <p:nvPr/>
+        </p:nvSpPr>
+        <p:spPr>
+          <a:xfrm>
+            <a:off x="7321931" y="11468170"/>
+            <a:ext cx="2677886" cy="571502"/>
+          </a:xfrm>
+          <a:prstGeom prst="rect">
+            <a:avLst/>
+          </a:prstGeom>
+        </p:spPr>
+        <p:style>
+          <a:lnRef idx="2">
+            <a:schemeClr val="dk1"/>
+          </a:lnRef>
+          <a:fillRef idx="1">
+            <a:schemeClr val="lt1"/>
+          </a:fillRef>
+          <a:effectRef idx="0">
+            <a:schemeClr val="dk1"/>
+          </a:effectRef>
+          <a:fontRef idx="minor">
+            <a:schemeClr val="dk1"/>
+          </a:fontRef>
+        </p:style>
+        <p:txBody>
+          <a:bodyPr rtlCol="0" anchor="ctr"/>
+          <a:lstStyle/>
+          <a:p>
+            <a:pPr algn="ctr"/>
+            <a:r>
+              <a:rPr lang="en-AU" dirty="0" err="1"/>
+              <a:t>banuser.php</a:t>
+            </a:r>
+            <a:endParaRPr lang="en-AU" dirty="0"/>
+          </a:p>
+        </p:txBody>
+      </p:sp>
+      <p:sp>
+        <p:nvSpPr>
+          <p:cNvPr id="53" name="Rectangle 52">
+            <a:extLst>
+              <a:ext uri="{FF2B5EF4-FFF2-40B4-BE49-F238E27FC236}">
+                <a16:creationId xmlns:a16="http://schemas.microsoft.com/office/drawing/2014/main" id="{F61DE8C7-31BD-4FB7-8802-A79AD646C023}"/>
+              </a:ext>
+            </a:extLst>
+          </p:cNvPr>
+          <p:cNvSpPr/>
+          <p:nvPr/>
+        </p:nvSpPr>
+        <p:spPr>
+          <a:xfrm>
+            <a:off x="10176601" y="11495902"/>
+            <a:ext cx="2677886" cy="571502"/>
+          </a:xfrm>
+          <a:prstGeom prst="rect">
+            <a:avLst/>
+          </a:prstGeom>
+        </p:spPr>
+        <p:style>
+          <a:lnRef idx="2">
+            <a:schemeClr val="dk1"/>
+          </a:lnRef>
+          <a:fillRef idx="1">
+            <a:schemeClr val="lt1"/>
+          </a:fillRef>
+          <a:effectRef idx="0">
+            <a:schemeClr val="dk1"/>
+          </a:effectRef>
+          <a:fontRef idx="minor">
+            <a:schemeClr val="dk1"/>
+          </a:fontRef>
+        </p:style>
+        <p:txBody>
+          <a:bodyPr rtlCol="0" anchor="ctr"/>
+          <a:lstStyle/>
+          <a:p>
+            <a:pPr algn="ctr"/>
+            <a:r>
+              <a:rPr lang="en-AU" dirty="0" err="1"/>
+              <a:t>banuserresult.php</a:t>
+            </a:r>
+            <a:endParaRPr lang="en-AU" dirty="0"/>
+          </a:p>
+        </p:txBody>
+      </p:sp>
+      <p:cxnSp>
+        <p:nvCxnSpPr>
+          <p:cNvPr id="19" name="Connector: Elbow 18">
+            <a:extLst>
+              <a:ext uri="{FF2B5EF4-FFF2-40B4-BE49-F238E27FC236}">
+                <a16:creationId xmlns:a16="http://schemas.microsoft.com/office/drawing/2014/main" id="{31A680EC-24C9-445F-B918-88CA2C73CAB7}"/>
+              </a:ext>
+            </a:extLst>
+          </p:cNvPr>
+          <p:cNvCxnSpPr>
+            <a:stCxn id="52" idx="3"/>
+            <a:endCxn id="53" idx="1"/>
+          </p:cNvCxnSpPr>
+          <p:nvPr/>
+        </p:nvCxnSpPr>
+        <p:spPr>
+          <a:xfrm>
+            <a:off x="9999817" y="11753921"/>
+            <a:ext cx="176784" cy="27732"/>
+          </a:xfrm>
+          <a:prstGeom prst="bentConnector3">
+            <a:avLst/>
+          </a:prstGeom>
+        </p:spPr>
+        <p:style>
+          <a:lnRef idx="1">
+            <a:schemeClr val="accent1"/>
+          </a:lnRef>
+          <a:fillRef idx="0">
+            <a:schemeClr val="accent1"/>
+          </a:fillRef>
+          <a:effectRef idx="0">
+            <a:schemeClr val="accent1"/>
+          </a:effectRef>
+          <a:fontRef idx="minor">
+            <a:schemeClr val="tx1"/>
+          </a:fontRef>
+        </p:style>
+      </p:cxnSp>
+      <p:cxnSp>
+        <p:nvCxnSpPr>
+          <p:cNvPr id="39" name="Connector: Elbow 38">
+            <a:extLst>
+              <a:ext uri="{FF2B5EF4-FFF2-40B4-BE49-F238E27FC236}">
+                <a16:creationId xmlns:a16="http://schemas.microsoft.com/office/drawing/2014/main" id="{8E293A9C-EE62-41EE-99D8-C08434200506}"/>
+              </a:ext>
+            </a:extLst>
+          </p:cNvPr>
+          <p:cNvCxnSpPr>
+            <a:stCxn id="33" idx="2"/>
+            <a:endCxn id="52" idx="1"/>
+          </p:cNvCxnSpPr>
+          <p:nvPr/>
+        </p:nvCxnSpPr>
+        <p:spPr>
+          <a:xfrm rot="16200000" flipH="1">
+            <a:off x="354079" y="4786068"/>
+            <a:ext cx="9116971" cy="4818733"/>
+          </a:xfrm>
+          <a:prstGeom prst="bentConnector2">
             <a:avLst/>
           </a:prstGeom>
         </p:spPr>

--- a/extra/Sitemap.pptx
+++ b/extra/Sitemap.pptx
@@ -261,7 +261,7 @@
           <a:p>
             <a:fld id="{2326C657-C1E0-4964-BB1E-A691970DFC48}" type="datetimeFigureOut">
               <a:rPr lang="en-AU" smtClean="0"/>
-              <a:t>26/09/2018</a:t>
+              <a:t>3/10/2018</a:t>
             </a:fld>
             <a:endParaRPr lang="en-AU"/>
           </a:p>
@@ -461,7 +461,7 @@
           <a:p>
             <a:fld id="{2326C657-C1E0-4964-BB1E-A691970DFC48}" type="datetimeFigureOut">
               <a:rPr lang="en-AU" smtClean="0"/>
-              <a:t>26/09/2018</a:t>
+              <a:t>3/10/2018</a:t>
             </a:fld>
             <a:endParaRPr lang="en-AU"/>
           </a:p>
@@ -671,7 +671,7 @@
           <a:p>
             <a:fld id="{2326C657-C1E0-4964-BB1E-A691970DFC48}" type="datetimeFigureOut">
               <a:rPr lang="en-AU" smtClean="0"/>
-              <a:t>26/09/2018</a:t>
+              <a:t>3/10/2018</a:t>
             </a:fld>
             <a:endParaRPr lang="en-AU"/>
           </a:p>
@@ -871,7 +871,7 @@
           <a:p>
             <a:fld id="{2326C657-C1E0-4964-BB1E-A691970DFC48}" type="datetimeFigureOut">
               <a:rPr lang="en-AU" smtClean="0"/>
-              <a:t>26/09/2018</a:t>
+              <a:t>3/10/2018</a:t>
             </a:fld>
             <a:endParaRPr lang="en-AU"/>
           </a:p>
@@ -1147,7 +1147,7 @@
           <a:p>
             <a:fld id="{2326C657-C1E0-4964-BB1E-A691970DFC48}" type="datetimeFigureOut">
               <a:rPr lang="en-AU" smtClean="0"/>
-              <a:t>26/09/2018</a:t>
+              <a:t>3/10/2018</a:t>
             </a:fld>
             <a:endParaRPr lang="en-AU"/>
           </a:p>
@@ -1415,7 +1415,7 @@
           <a:p>
             <a:fld id="{2326C657-C1E0-4964-BB1E-A691970DFC48}" type="datetimeFigureOut">
               <a:rPr lang="en-AU" smtClean="0"/>
-              <a:t>26/09/2018</a:t>
+              <a:t>3/10/2018</a:t>
             </a:fld>
             <a:endParaRPr lang="en-AU"/>
           </a:p>
@@ -1830,7 +1830,7 @@
           <a:p>
             <a:fld id="{2326C657-C1E0-4964-BB1E-A691970DFC48}" type="datetimeFigureOut">
               <a:rPr lang="en-AU" smtClean="0"/>
-              <a:t>26/09/2018</a:t>
+              <a:t>3/10/2018</a:t>
             </a:fld>
             <a:endParaRPr lang="en-AU"/>
           </a:p>
@@ -1972,7 +1972,7 @@
           <a:p>
             <a:fld id="{2326C657-C1E0-4964-BB1E-A691970DFC48}" type="datetimeFigureOut">
               <a:rPr lang="en-AU" smtClean="0"/>
-              <a:t>26/09/2018</a:t>
+              <a:t>3/10/2018</a:t>
             </a:fld>
             <a:endParaRPr lang="en-AU"/>
           </a:p>
@@ -2085,7 +2085,7 @@
           <a:p>
             <a:fld id="{2326C657-C1E0-4964-BB1E-A691970DFC48}" type="datetimeFigureOut">
               <a:rPr lang="en-AU" smtClean="0"/>
-              <a:t>26/09/2018</a:t>
+              <a:t>3/10/2018</a:t>
             </a:fld>
             <a:endParaRPr lang="en-AU"/>
           </a:p>
@@ -2398,7 +2398,7 @@
           <a:p>
             <a:fld id="{2326C657-C1E0-4964-BB1E-A691970DFC48}" type="datetimeFigureOut">
               <a:rPr lang="en-AU" smtClean="0"/>
-              <a:t>26/09/2018</a:t>
+              <a:t>3/10/2018</a:t>
             </a:fld>
             <a:endParaRPr lang="en-AU"/>
           </a:p>
@@ -2687,7 +2687,7 @@
           <a:p>
             <a:fld id="{2326C657-C1E0-4964-BB1E-A691970DFC48}" type="datetimeFigureOut">
               <a:rPr lang="en-AU" smtClean="0"/>
-              <a:t>26/09/2018</a:t>
+              <a:t>3/10/2018</a:t>
             </a:fld>
             <a:endParaRPr lang="en-AU"/>
           </a:p>
@@ -2930,7 +2930,7 @@
           <a:p>
             <a:fld id="{2326C657-C1E0-4964-BB1E-A691970DFC48}" type="datetimeFigureOut">
               <a:rPr lang="en-AU" smtClean="0"/>
-              <a:t>26/09/2018</a:t>
+              <a:t>3/10/2018</a:t>
             </a:fld>
             <a:endParaRPr lang="en-AU"/>
           </a:p>
@@ -5668,6 +5668,54 @@
           </a:fontRef>
         </p:style>
       </p:cxnSp>
+      <p:sp>
+        <p:nvSpPr>
+          <p:cNvPr id="55" name="Rectangle 54">
+            <a:extLst>
+              <a:ext uri="{FF2B5EF4-FFF2-40B4-BE49-F238E27FC236}">
+                <a16:creationId xmlns:a16="http://schemas.microsoft.com/office/drawing/2014/main" id="{36C18049-7A6E-482F-A23E-9421CDE0FE19}"/>
+              </a:ext>
+            </a:extLst>
+          </p:cNvPr>
+          <p:cNvSpPr/>
+          <p:nvPr/>
+        </p:nvSpPr>
+        <p:spPr>
+          <a:xfrm>
+            <a:off x="12220872" y="3247684"/>
+            <a:ext cx="2677886" cy="571502"/>
+          </a:xfrm>
+          <a:prstGeom prst="rect">
+            <a:avLst/>
+          </a:prstGeom>
+        </p:spPr>
+        <p:style>
+          <a:lnRef idx="2">
+            <a:schemeClr val="dk1"/>
+          </a:lnRef>
+          <a:fillRef idx="1">
+            <a:schemeClr val="lt1"/>
+          </a:fillRef>
+          <a:effectRef idx="0">
+            <a:schemeClr val="dk1"/>
+          </a:effectRef>
+          <a:fontRef idx="minor">
+            <a:schemeClr val="dk1"/>
+          </a:fontRef>
+        </p:style>
+        <p:txBody>
+          <a:bodyPr rtlCol="0" anchor="ctr"/>
+          <a:lstStyle/>
+          <a:p>
+            <a:pPr algn="ctr"/>
+            <a:r>
+              <a:rPr lang="en-AU" dirty="0" err="1"/>
+              <a:t>Statistics.php</a:t>
+            </a:r>
+            <a:endParaRPr lang="en-AU" dirty="0"/>
+          </a:p>
+        </p:txBody>
+      </p:sp>
     </p:spTree>
     <p:extLst>
       <p:ext uri="{BB962C8B-B14F-4D97-AF65-F5344CB8AC3E}">

--- a/extra/Sitemap.pptx
+++ b/extra/Sitemap.pptx
@@ -5716,6 +5716,144 @@
           </a:p>
         </p:txBody>
       </p:sp>
+      <p:sp>
+        <p:nvSpPr>
+          <p:cNvPr id="57" name="Rectangle 56">
+            <a:extLst>
+              <a:ext uri="{FF2B5EF4-FFF2-40B4-BE49-F238E27FC236}">
+                <a16:creationId xmlns:a16="http://schemas.microsoft.com/office/drawing/2014/main" id="{3D05E375-C97B-445A-90E9-8CD820428754}"/>
+              </a:ext>
+            </a:extLst>
+          </p:cNvPr>
+          <p:cNvSpPr/>
+          <p:nvPr/>
+        </p:nvSpPr>
+        <p:spPr>
+          <a:xfrm>
+            <a:off x="75244" y="6791841"/>
+            <a:ext cx="2677886" cy="571502"/>
+          </a:xfrm>
+          <a:prstGeom prst="rect">
+            <a:avLst/>
+          </a:prstGeom>
+        </p:spPr>
+        <p:style>
+          <a:lnRef idx="2">
+            <a:schemeClr val="dk1"/>
+          </a:lnRef>
+          <a:fillRef idx="1">
+            <a:schemeClr val="lt1"/>
+          </a:fillRef>
+          <a:effectRef idx="0">
+            <a:schemeClr val="dk1"/>
+          </a:effectRef>
+          <a:fontRef idx="minor">
+            <a:schemeClr val="dk1"/>
+          </a:fontRef>
+        </p:style>
+        <p:txBody>
+          <a:bodyPr rtlCol="0" anchor="ctr"/>
+          <a:lstStyle/>
+          <a:p>
+            <a:pPr algn="ctr"/>
+            <a:r>
+              <a:rPr lang="en-AU" dirty="0" err="1"/>
+              <a:t>advancedsearchform.php</a:t>
+            </a:r>
+            <a:endParaRPr lang="en-AU" dirty="0"/>
+          </a:p>
+        </p:txBody>
+      </p:sp>
+      <p:sp>
+        <p:nvSpPr>
+          <p:cNvPr id="58" name="Rectangle 57">
+            <a:extLst>
+              <a:ext uri="{FF2B5EF4-FFF2-40B4-BE49-F238E27FC236}">
+                <a16:creationId xmlns:a16="http://schemas.microsoft.com/office/drawing/2014/main" id="{B4994EE0-9331-460A-A2B2-5DF414085B6C}"/>
+              </a:ext>
+            </a:extLst>
+          </p:cNvPr>
+          <p:cNvSpPr/>
+          <p:nvPr/>
+        </p:nvSpPr>
+        <p:spPr>
+          <a:xfrm>
+            <a:off x="213993" y="8762640"/>
+            <a:ext cx="4084112" cy="571502"/>
+          </a:xfrm>
+          <a:prstGeom prst="rect">
+            <a:avLst/>
+          </a:prstGeom>
+        </p:spPr>
+        <p:style>
+          <a:lnRef idx="2">
+            <a:schemeClr val="dk1"/>
+          </a:lnRef>
+          <a:fillRef idx="1">
+            <a:schemeClr val="lt1"/>
+          </a:fillRef>
+          <a:effectRef idx="0">
+            <a:schemeClr val="dk1"/>
+          </a:effectRef>
+          <a:fontRef idx="minor">
+            <a:schemeClr val="dk1"/>
+          </a:fontRef>
+        </p:style>
+        <p:txBody>
+          <a:bodyPr rtlCol="0" anchor="ctr"/>
+          <a:lstStyle/>
+          <a:p>
+            <a:pPr algn="ctr"/>
+            <a:r>
+              <a:rPr lang="en-AU" dirty="0" err="1"/>
+              <a:t>advancedsearchformresult.php</a:t>
+            </a:r>
+            <a:endParaRPr lang="en-AU" dirty="0"/>
+          </a:p>
+        </p:txBody>
+      </p:sp>
+      <p:cxnSp>
+        <p:nvCxnSpPr>
+          <p:cNvPr id="30" name="Connector: Elbow 29">
+            <a:extLst>
+              <a:ext uri="{FF2B5EF4-FFF2-40B4-BE49-F238E27FC236}">
+                <a16:creationId xmlns:a16="http://schemas.microsoft.com/office/drawing/2014/main" id="{51B30BED-4817-47A9-9777-918DBC27E0DE}"/>
+              </a:ext>
+            </a:extLst>
+          </p:cNvPr>
+          <p:cNvCxnSpPr>
+            <a:cxnSpLocks/>
+            <a:stCxn id="57" idx="1"/>
+            <a:endCxn id="58" idx="1"/>
+          </p:cNvCxnSpPr>
+          <p:nvPr/>
+        </p:nvCxnSpPr>
+        <p:spPr>
+          <a:xfrm rot="10800000" flipH="1" flipV="1">
+            <a:off x="75243" y="7077591"/>
+            <a:ext cx="138749" cy="1970799"/>
+          </a:xfrm>
+          <a:prstGeom prst="bentConnector3">
+            <a:avLst>
+              <a:gd name="adj1" fmla="val -164758"/>
+            </a:avLst>
+          </a:prstGeom>
+        </p:spPr>
+        <p:style>
+          <a:lnRef idx="1">
+            <a:schemeClr val="accent1"/>
+          </a:lnRef>
+          <a:fillRef idx="0">
+            <a:schemeClr val="accent1"/>
+          </a:fillRef>
+          <a:effectRef idx="0">
+            <a:schemeClr val="accent1"/>
+          </a:effectRef>
+          <a:fontRef idx="minor">
+            <a:schemeClr val="tx1"/>
+          </a:fontRef>
+        </p:style>
+      </p:cxnSp>
     </p:spTree>
     <p:extLst>
       <p:ext uri="{BB962C8B-B14F-4D97-AF65-F5344CB8AC3E}">
